--- a/PF-Lecture-08.pptx
+++ b/PF-Lecture-08.pptx
@@ -5,7 +5,7 @@
     <p:sldMasterId id="2147483648" r:id="rId1"/>
   </p:sldMasterIdLst>
   <p:notesMasterIdLst>
-    <p:notesMasterId r:id="rId22"/>
+    <p:notesMasterId r:id="rId28"/>
   </p:notesMasterIdLst>
   <p:sldIdLst>
     <p:sldId id="256" r:id="rId2"/>
@@ -27,14 +27,20 @@
     <p:sldId id="296" r:id="rId18"/>
     <p:sldId id="297" r:id="rId19"/>
     <p:sldId id="298" r:id="rId20"/>
-    <p:sldId id="264" r:id="rId21"/>
+    <p:sldId id="299" r:id="rId21"/>
+    <p:sldId id="300" r:id="rId22"/>
+    <p:sldId id="301" r:id="rId23"/>
+    <p:sldId id="302" r:id="rId24"/>
+    <p:sldId id="303" r:id="rId25"/>
+    <p:sldId id="304" r:id="rId26"/>
+    <p:sldId id="264" r:id="rId27"/>
   </p:sldIdLst>
   <p:sldSz cx="18288000" cy="10287000"/>
   <p:notesSz cx="6858000" cy="9144000"/>
   <p:embeddedFontLst>
     <p:embeddedFont>
       <p:font typeface="Lato Bold" panose="020B0604020202020204" charset="0"/>
-      <p:regular r:id="rId23"/>
+      <p:regular r:id="rId29"/>
     </p:embeddedFont>
   </p:embeddedFontLst>
   <p:defaultTextStyle>
@@ -233,7 +239,7 @@
           <a:p>
             <a:fld id="{D39C2E0C-79A4-43FA-8B4A-237911A0DEF4}" type="datetimeFigureOut">
               <a:rPr lang="en-US" smtClean="0"/>
-              <a:t>2/25/2025</a:t>
+              <a:t>2/26/2025</a:t>
             </a:fld>
             <a:endParaRPr lang="en-US"/>
           </a:p>
@@ -1232,6 +1238,438 @@
 </p:notes>
 </file>
 
+<file path=ppt/notesSlides/notesSlide16.xml><?xml version="1.0" encoding="utf-8"?>
+<p:notes xmlns:a="http://schemas.openxmlformats.org/drawingml/2006/main" xmlns:r="http://schemas.openxmlformats.org/officeDocument/2006/relationships" xmlns:p="http://schemas.openxmlformats.org/presentationml/2006/main">
+  <p:cSld>
+    <p:spTree>
+      <p:nvGrpSpPr>
+        <p:cNvPr id="1" name="">
+          <a:extLst>
+            <a:ext uri="{FF2B5EF4-FFF2-40B4-BE49-F238E27FC236}">
+              <a16:creationId xmlns:a16="http://schemas.microsoft.com/office/drawing/2014/main" id="{92644A86-1BAE-64BF-35B8-37539871111D}"/>
+            </a:ext>
+          </a:extLst>
+        </p:cNvPr>
+        <p:cNvGrpSpPr/>
+        <p:nvPr/>
+      </p:nvGrpSpPr>
+      <p:grpSpPr>
+        <a:xfrm>
+          <a:off x="0" y="0"/>
+          <a:ext cx="0" cy="0"/>
+          <a:chOff x="0" y="0"/>
+          <a:chExt cx="0" cy="0"/>
+        </a:xfrm>
+      </p:grpSpPr>
+      <p:sp>
+        <p:nvSpPr>
+          <p:cNvPr id="2" name="Slide Image Placeholder 1">
+            <a:extLst>
+              <a:ext uri="{FF2B5EF4-FFF2-40B4-BE49-F238E27FC236}">
+                <a16:creationId xmlns:a16="http://schemas.microsoft.com/office/drawing/2014/main" id="{EF5687C2-33E1-FE20-96DB-3F80BA293B28}"/>
+              </a:ext>
+            </a:extLst>
+          </p:cNvPr>
+          <p:cNvSpPr>
+            <a:spLocks noGrp="1" noRot="1" noChangeAspect="1"/>
+          </p:cNvSpPr>
+          <p:nvPr>
+            <p:ph type="sldImg"/>
+          </p:nvPr>
+        </p:nvSpPr>
+        <p:spPr/>
+      </p:sp>
+      <p:sp>
+        <p:nvSpPr>
+          <p:cNvPr id="3" name="Notes Placeholder 2">
+            <a:extLst>
+              <a:ext uri="{FF2B5EF4-FFF2-40B4-BE49-F238E27FC236}">
+                <a16:creationId xmlns:a16="http://schemas.microsoft.com/office/drawing/2014/main" id="{AC24DD1C-BB4E-FCD7-3732-89CB72810347}"/>
+              </a:ext>
+            </a:extLst>
+          </p:cNvPr>
+          <p:cNvSpPr>
+            <a:spLocks noGrp="1"/>
+          </p:cNvSpPr>
+          <p:nvPr>
+            <p:ph type="body" idx="1"/>
+          </p:nvPr>
+        </p:nvSpPr>
+        <p:spPr/>
+        <p:txBody>
+          <a:bodyPr/>
+          <a:lstStyle/>
+          <a:p>
+            <a:endParaRPr lang="en-US" dirty="0"/>
+          </a:p>
+        </p:txBody>
+      </p:sp>
+      <p:sp>
+        <p:nvSpPr>
+          <p:cNvPr id="4" name="Slide Number Placeholder 3">
+            <a:extLst>
+              <a:ext uri="{FF2B5EF4-FFF2-40B4-BE49-F238E27FC236}">
+                <a16:creationId xmlns:a16="http://schemas.microsoft.com/office/drawing/2014/main" id="{35A5F0FE-2F53-E69B-00BB-5AE79B7AA7BC}"/>
+              </a:ext>
+            </a:extLst>
+          </p:cNvPr>
+          <p:cNvSpPr>
+            <a:spLocks noGrp="1"/>
+          </p:cNvSpPr>
+          <p:nvPr>
+            <p:ph type="sldNum" sz="quarter" idx="5"/>
+          </p:nvPr>
+        </p:nvSpPr>
+        <p:spPr/>
+        <p:txBody>
+          <a:bodyPr/>
+          <a:lstStyle/>
+          <a:p>
+            <a:fld id="{E85AC087-0484-406B-A35D-365DFFAC9338}" type="slidenum">
+              <a:rPr lang="en-US" smtClean="0"/>
+              <a:t>20</a:t>
+            </a:fld>
+            <a:endParaRPr lang="en-US"/>
+          </a:p>
+        </p:txBody>
+      </p:sp>
+    </p:spTree>
+    <p:extLst>
+      <p:ext uri="{BB962C8B-B14F-4D97-AF65-F5344CB8AC3E}">
+        <p14:creationId xmlns:p14="http://schemas.microsoft.com/office/powerpoint/2010/main" val="1936147757"/>
+      </p:ext>
+    </p:extLst>
+  </p:cSld>
+  <p:clrMapOvr>
+    <a:masterClrMapping/>
+  </p:clrMapOvr>
+</p:notes>
+</file>
+
+<file path=ppt/notesSlides/notesSlide17.xml><?xml version="1.0" encoding="utf-8"?>
+<p:notes xmlns:a="http://schemas.openxmlformats.org/drawingml/2006/main" xmlns:r="http://schemas.openxmlformats.org/officeDocument/2006/relationships" xmlns:p="http://schemas.openxmlformats.org/presentationml/2006/main">
+  <p:cSld>
+    <p:spTree>
+      <p:nvGrpSpPr>
+        <p:cNvPr id="1" name="">
+          <a:extLst>
+            <a:ext uri="{FF2B5EF4-FFF2-40B4-BE49-F238E27FC236}">
+              <a16:creationId xmlns:a16="http://schemas.microsoft.com/office/drawing/2014/main" id="{B9FEF5AC-19B9-0186-11C6-701A24BA728A}"/>
+            </a:ext>
+          </a:extLst>
+        </p:cNvPr>
+        <p:cNvGrpSpPr/>
+        <p:nvPr/>
+      </p:nvGrpSpPr>
+      <p:grpSpPr>
+        <a:xfrm>
+          <a:off x="0" y="0"/>
+          <a:ext cx="0" cy="0"/>
+          <a:chOff x="0" y="0"/>
+          <a:chExt cx="0" cy="0"/>
+        </a:xfrm>
+      </p:grpSpPr>
+      <p:sp>
+        <p:nvSpPr>
+          <p:cNvPr id="2" name="Slide Image Placeholder 1">
+            <a:extLst>
+              <a:ext uri="{FF2B5EF4-FFF2-40B4-BE49-F238E27FC236}">
+                <a16:creationId xmlns:a16="http://schemas.microsoft.com/office/drawing/2014/main" id="{7ED0CE00-482A-9FA9-BDCC-71DDBFE209B4}"/>
+              </a:ext>
+            </a:extLst>
+          </p:cNvPr>
+          <p:cNvSpPr>
+            <a:spLocks noGrp="1" noRot="1" noChangeAspect="1"/>
+          </p:cNvSpPr>
+          <p:nvPr>
+            <p:ph type="sldImg"/>
+          </p:nvPr>
+        </p:nvSpPr>
+        <p:spPr/>
+      </p:sp>
+      <p:sp>
+        <p:nvSpPr>
+          <p:cNvPr id="3" name="Notes Placeholder 2">
+            <a:extLst>
+              <a:ext uri="{FF2B5EF4-FFF2-40B4-BE49-F238E27FC236}">
+                <a16:creationId xmlns:a16="http://schemas.microsoft.com/office/drawing/2014/main" id="{97EB907B-EE6F-A28D-ACC6-6034BA39DAC0}"/>
+              </a:ext>
+            </a:extLst>
+          </p:cNvPr>
+          <p:cNvSpPr>
+            <a:spLocks noGrp="1"/>
+          </p:cNvSpPr>
+          <p:nvPr>
+            <p:ph type="body" idx="1"/>
+          </p:nvPr>
+        </p:nvSpPr>
+        <p:spPr/>
+        <p:txBody>
+          <a:bodyPr/>
+          <a:lstStyle/>
+          <a:p>
+            <a:endParaRPr lang="en-US" dirty="0"/>
+          </a:p>
+        </p:txBody>
+      </p:sp>
+      <p:sp>
+        <p:nvSpPr>
+          <p:cNvPr id="4" name="Slide Number Placeholder 3">
+            <a:extLst>
+              <a:ext uri="{FF2B5EF4-FFF2-40B4-BE49-F238E27FC236}">
+                <a16:creationId xmlns:a16="http://schemas.microsoft.com/office/drawing/2014/main" id="{2D88C317-5A90-23E6-6104-8D32011313D1}"/>
+              </a:ext>
+            </a:extLst>
+          </p:cNvPr>
+          <p:cNvSpPr>
+            <a:spLocks noGrp="1"/>
+          </p:cNvSpPr>
+          <p:nvPr>
+            <p:ph type="sldNum" sz="quarter" idx="5"/>
+          </p:nvPr>
+        </p:nvSpPr>
+        <p:spPr/>
+        <p:txBody>
+          <a:bodyPr/>
+          <a:lstStyle/>
+          <a:p>
+            <a:fld id="{E85AC087-0484-406B-A35D-365DFFAC9338}" type="slidenum">
+              <a:rPr lang="en-US" smtClean="0"/>
+              <a:t>21</a:t>
+            </a:fld>
+            <a:endParaRPr lang="en-US"/>
+          </a:p>
+        </p:txBody>
+      </p:sp>
+    </p:spTree>
+    <p:extLst>
+      <p:ext uri="{BB962C8B-B14F-4D97-AF65-F5344CB8AC3E}">
+        <p14:creationId xmlns:p14="http://schemas.microsoft.com/office/powerpoint/2010/main" val="2800014206"/>
+      </p:ext>
+    </p:extLst>
+  </p:cSld>
+  <p:clrMapOvr>
+    <a:masterClrMapping/>
+  </p:clrMapOvr>
+</p:notes>
+</file>
+
+<file path=ppt/notesSlides/notesSlide18.xml><?xml version="1.0" encoding="utf-8"?>
+<p:notes xmlns:a="http://schemas.openxmlformats.org/drawingml/2006/main" xmlns:r="http://schemas.openxmlformats.org/officeDocument/2006/relationships" xmlns:p="http://schemas.openxmlformats.org/presentationml/2006/main">
+  <p:cSld>
+    <p:spTree>
+      <p:nvGrpSpPr>
+        <p:cNvPr id="1" name="">
+          <a:extLst>
+            <a:ext uri="{FF2B5EF4-FFF2-40B4-BE49-F238E27FC236}">
+              <a16:creationId xmlns:a16="http://schemas.microsoft.com/office/drawing/2014/main" id="{A8CB01ED-E3EE-7C20-E9CE-7D9623D5D8A0}"/>
+            </a:ext>
+          </a:extLst>
+        </p:cNvPr>
+        <p:cNvGrpSpPr/>
+        <p:nvPr/>
+      </p:nvGrpSpPr>
+      <p:grpSpPr>
+        <a:xfrm>
+          <a:off x="0" y="0"/>
+          <a:ext cx="0" cy="0"/>
+          <a:chOff x="0" y="0"/>
+          <a:chExt cx="0" cy="0"/>
+        </a:xfrm>
+      </p:grpSpPr>
+      <p:sp>
+        <p:nvSpPr>
+          <p:cNvPr id="2" name="Slide Image Placeholder 1">
+            <a:extLst>
+              <a:ext uri="{FF2B5EF4-FFF2-40B4-BE49-F238E27FC236}">
+                <a16:creationId xmlns:a16="http://schemas.microsoft.com/office/drawing/2014/main" id="{005C318D-3EE1-495B-210E-BBBA48633FE2}"/>
+              </a:ext>
+            </a:extLst>
+          </p:cNvPr>
+          <p:cNvSpPr>
+            <a:spLocks noGrp="1" noRot="1" noChangeAspect="1"/>
+          </p:cNvSpPr>
+          <p:nvPr>
+            <p:ph type="sldImg"/>
+          </p:nvPr>
+        </p:nvSpPr>
+        <p:spPr/>
+      </p:sp>
+      <p:sp>
+        <p:nvSpPr>
+          <p:cNvPr id="3" name="Notes Placeholder 2">
+            <a:extLst>
+              <a:ext uri="{FF2B5EF4-FFF2-40B4-BE49-F238E27FC236}">
+                <a16:creationId xmlns:a16="http://schemas.microsoft.com/office/drawing/2014/main" id="{746E60C9-FE4F-5E75-B6D5-122C6EDAB9AA}"/>
+              </a:ext>
+            </a:extLst>
+          </p:cNvPr>
+          <p:cNvSpPr>
+            <a:spLocks noGrp="1"/>
+          </p:cNvSpPr>
+          <p:nvPr>
+            <p:ph type="body" idx="1"/>
+          </p:nvPr>
+        </p:nvSpPr>
+        <p:spPr/>
+        <p:txBody>
+          <a:bodyPr/>
+          <a:lstStyle/>
+          <a:p>
+            <a:endParaRPr lang="en-US" dirty="0"/>
+          </a:p>
+        </p:txBody>
+      </p:sp>
+      <p:sp>
+        <p:nvSpPr>
+          <p:cNvPr id="4" name="Slide Number Placeholder 3">
+            <a:extLst>
+              <a:ext uri="{FF2B5EF4-FFF2-40B4-BE49-F238E27FC236}">
+                <a16:creationId xmlns:a16="http://schemas.microsoft.com/office/drawing/2014/main" id="{5E6853FF-4EE9-1F1F-2110-D8BF34FDDAB4}"/>
+              </a:ext>
+            </a:extLst>
+          </p:cNvPr>
+          <p:cNvSpPr>
+            <a:spLocks noGrp="1"/>
+          </p:cNvSpPr>
+          <p:nvPr>
+            <p:ph type="sldNum" sz="quarter" idx="5"/>
+          </p:nvPr>
+        </p:nvSpPr>
+        <p:spPr/>
+        <p:txBody>
+          <a:bodyPr/>
+          <a:lstStyle/>
+          <a:p>
+            <a:fld id="{E85AC087-0484-406B-A35D-365DFFAC9338}" type="slidenum">
+              <a:rPr lang="en-US" smtClean="0"/>
+              <a:t>22</a:t>
+            </a:fld>
+            <a:endParaRPr lang="en-US"/>
+          </a:p>
+        </p:txBody>
+      </p:sp>
+    </p:spTree>
+    <p:extLst>
+      <p:ext uri="{BB962C8B-B14F-4D97-AF65-F5344CB8AC3E}">
+        <p14:creationId xmlns:p14="http://schemas.microsoft.com/office/powerpoint/2010/main" val="3301295839"/>
+      </p:ext>
+    </p:extLst>
+  </p:cSld>
+  <p:clrMapOvr>
+    <a:masterClrMapping/>
+  </p:clrMapOvr>
+</p:notes>
+</file>
+
+<file path=ppt/notesSlides/notesSlide19.xml><?xml version="1.0" encoding="utf-8"?>
+<p:notes xmlns:a="http://schemas.openxmlformats.org/drawingml/2006/main" xmlns:r="http://schemas.openxmlformats.org/officeDocument/2006/relationships" xmlns:p="http://schemas.openxmlformats.org/presentationml/2006/main">
+  <p:cSld>
+    <p:spTree>
+      <p:nvGrpSpPr>
+        <p:cNvPr id="1" name="">
+          <a:extLst>
+            <a:ext uri="{FF2B5EF4-FFF2-40B4-BE49-F238E27FC236}">
+              <a16:creationId xmlns:a16="http://schemas.microsoft.com/office/drawing/2014/main" id="{530EB1AE-D168-7A20-C1ED-A19ECEC6CC49}"/>
+            </a:ext>
+          </a:extLst>
+        </p:cNvPr>
+        <p:cNvGrpSpPr/>
+        <p:nvPr/>
+      </p:nvGrpSpPr>
+      <p:grpSpPr>
+        <a:xfrm>
+          <a:off x="0" y="0"/>
+          <a:ext cx="0" cy="0"/>
+          <a:chOff x="0" y="0"/>
+          <a:chExt cx="0" cy="0"/>
+        </a:xfrm>
+      </p:grpSpPr>
+      <p:sp>
+        <p:nvSpPr>
+          <p:cNvPr id="2" name="Slide Image Placeholder 1">
+            <a:extLst>
+              <a:ext uri="{FF2B5EF4-FFF2-40B4-BE49-F238E27FC236}">
+                <a16:creationId xmlns:a16="http://schemas.microsoft.com/office/drawing/2014/main" id="{46D69B35-8976-E647-5BDB-65032D57D653}"/>
+              </a:ext>
+            </a:extLst>
+          </p:cNvPr>
+          <p:cNvSpPr>
+            <a:spLocks noGrp="1" noRot="1" noChangeAspect="1"/>
+          </p:cNvSpPr>
+          <p:nvPr>
+            <p:ph type="sldImg"/>
+          </p:nvPr>
+        </p:nvSpPr>
+        <p:spPr/>
+      </p:sp>
+      <p:sp>
+        <p:nvSpPr>
+          <p:cNvPr id="3" name="Notes Placeholder 2">
+            <a:extLst>
+              <a:ext uri="{FF2B5EF4-FFF2-40B4-BE49-F238E27FC236}">
+                <a16:creationId xmlns:a16="http://schemas.microsoft.com/office/drawing/2014/main" id="{ECA79BF1-BD52-6DCF-F0A0-72B079FAFFFB}"/>
+              </a:ext>
+            </a:extLst>
+          </p:cNvPr>
+          <p:cNvSpPr>
+            <a:spLocks noGrp="1"/>
+          </p:cNvSpPr>
+          <p:nvPr>
+            <p:ph type="body" idx="1"/>
+          </p:nvPr>
+        </p:nvSpPr>
+        <p:spPr/>
+        <p:txBody>
+          <a:bodyPr/>
+          <a:lstStyle/>
+          <a:p>
+            <a:endParaRPr lang="en-US" dirty="0"/>
+          </a:p>
+        </p:txBody>
+      </p:sp>
+      <p:sp>
+        <p:nvSpPr>
+          <p:cNvPr id="4" name="Slide Number Placeholder 3">
+            <a:extLst>
+              <a:ext uri="{FF2B5EF4-FFF2-40B4-BE49-F238E27FC236}">
+                <a16:creationId xmlns:a16="http://schemas.microsoft.com/office/drawing/2014/main" id="{65BCA3DF-976F-2DCA-CD6A-1C8EA1D84705}"/>
+              </a:ext>
+            </a:extLst>
+          </p:cNvPr>
+          <p:cNvSpPr>
+            <a:spLocks noGrp="1"/>
+          </p:cNvSpPr>
+          <p:nvPr>
+            <p:ph type="sldNum" sz="quarter" idx="5"/>
+          </p:nvPr>
+        </p:nvSpPr>
+        <p:spPr/>
+        <p:txBody>
+          <a:bodyPr/>
+          <a:lstStyle/>
+          <a:p>
+            <a:fld id="{E85AC087-0484-406B-A35D-365DFFAC9338}" type="slidenum">
+              <a:rPr lang="en-US" smtClean="0"/>
+              <a:t>23</a:t>
+            </a:fld>
+            <a:endParaRPr lang="en-US"/>
+          </a:p>
+        </p:txBody>
+      </p:sp>
+    </p:spTree>
+    <p:extLst>
+      <p:ext uri="{BB962C8B-B14F-4D97-AF65-F5344CB8AC3E}">
+        <p14:creationId xmlns:p14="http://schemas.microsoft.com/office/powerpoint/2010/main" val="3035813849"/>
+      </p:ext>
+    </p:extLst>
+  </p:cSld>
+  <p:clrMapOvr>
+    <a:masterClrMapping/>
+  </p:clrMapOvr>
+</p:notes>
+</file>
+
 <file path=ppt/notesSlides/notesSlide2.xml><?xml version="1.0" encoding="utf-8"?>
 <p:notes xmlns:a="http://schemas.openxmlformats.org/drawingml/2006/main" xmlns:r="http://schemas.openxmlformats.org/officeDocument/2006/relationships" xmlns:p="http://schemas.openxmlformats.org/presentationml/2006/main">
   <p:cSld>
@@ -1331,6 +1769,222 @@
     <p:extLst>
       <p:ext uri="{BB962C8B-B14F-4D97-AF65-F5344CB8AC3E}">
         <p14:creationId xmlns:p14="http://schemas.microsoft.com/office/powerpoint/2010/main" val="3987065439"/>
+      </p:ext>
+    </p:extLst>
+  </p:cSld>
+  <p:clrMapOvr>
+    <a:masterClrMapping/>
+  </p:clrMapOvr>
+</p:notes>
+</file>
+
+<file path=ppt/notesSlides/notesSlide20.xml><?xml version="1.0" encoding="utf-8"?>
+<p:notes xmlns:a="http://schemas.openxmlformats.org/drawingml/2006/main" xmlns:r="http://schemas.openxmlformats.org/officeDocument/2006/relationships" xmlns:p="http://schemas.openxmlformats.org/presentationml/2006/main">
+  <p:cSld>
+    <p:spTree>
+      <p:nvGrpSpPr>
+        <p:cNvPr id="1" name="">
+          <a:extLst>
+            <a:ext uri="{FF2B5EF4-FFF2-40B4-BE49-F238E27FC236}">
+              <a16:creationId xmlns:a16="http://schemas.microsoft.com/office/drawing/2014/main" id="{3B6EBF19-7BFE-DB7D-05B5-FEAB86284F0D}"/>
+            </a:ext>
+          </a:extLst>
+        </p:cNvPr>
+        <p:cNvGrpSpPr/>
+        <p:nvPr/>
+      </p:nvGrpSpPr>
+      <p:grpSpPr>
+        <a:xfrm>
+          <a:off x="0" y="0"/>
+          <a:ext cx="0" cy="0"/>
+          <a:chOff x="0" y="0"/>
+          <a:chExt cx="0" cy="0"/>
+        </a:xfrm>
+      </p:grpSpPr>
+      <p:sp>
+        <p:nvSpPr>
+          <p:cNvPr id="2" name="Slide Image Placeholder 1">
+            <a:extLst>
+              <a:ext uri="{FF2B5EF4-FFF2-40B4-BE49-F238E27FC236}">
+                <a16:creationId xmlns:a16="http://schemas.microsoft.com/office/drawing/2014/main" id="{8863AF0B-01AC-6EA2-C72F-28AC153A8E6C}"/>
+              </a:ext>
+            </a:extLst>
+          </p:cNvPr>
+          <p:cNvSpPr>
+            <a:spLocks noGrp="1" noRot="1" noChangeAspect="1"/>
+          </p:cNvSpPr>
+          <p:nvPr>
+            <p:ph type="sldImg"/>
+          </p:nvPr>
+        </p:nvSpPr>
+        <p:spPr/>
+      </p:sp>
+      <p:sp>
+        <p:nvSpPr>
+          <p:cNvPr id="3" name="Notes Placeholder 2">
+            <a:extLst>
+              <a:ext uri="{FF2B5EF4-FFF2-40B4-BE49-F238E27FC236}">
+                <a16:creationId xmlns:a16="http://schemas.microsoft.com/office/drawing/2014/main" id="{3F30578E-745F-E424-7580-E77008B25823}"/>
+              </a:ext>
+            </a:extLst>
+          </p:cNvPr>
+          <p:cNvSpPr>
+            <a:spLocks noGrp="1"/>
+          </p:cNvSpPr>
+          <p:nvPr>
+            <p:ph type="body" idx="1"/>
+          </p:nvPr>
+        </p:nvSpPr>
+        <p:spPr/>
+        <p:txBody>
+          <a:bodyPr/>
+          <a:lstStyle/>
+          <a:p>
+            <a:endParaRPr lang="en-US" dirty="0"/>
+          </a:p>
+        </p:txBody>
+      </p:sp>
+      <p:sp>
+        <p:nvSpPr>
+          <p:cNvPr id="4" name="Slide Number Placeholder 3">
+            <a:extLst>
+              <a:ext uri="{FF2B5EF4-FFF2-40B4-BE49-F238E27FC236}">
+                <a16:creationId xmlns:a16="http://schemas.microsoft.com/office/drawing/2014/main" id="{409E4F94-94D4-F9CB-9253-F7BB13B26E04}"/>
+              </a:ext>
+            </a:extLst>
+          </p:cNvPr>
+          <p:cNvSpPr>
+            <a:spLocks noGrp="1"/>
+          </p:cNvSpPr>
+          <p:nvPr>
+            <p:ph type="sldNum" sz="quarter" idx="5"/>
+          </p:nvPr>
+        </p:nvSpPr>
+        <p:spPr/>
+        <p:txBody>
+          <a:bodyPr/>
+          <a:lstStyle/>
+          <a:p>
+            <a:fld id="{E85AC087-0484-406B-A35D-365DFFAC9338}" type="slidenum">
+              <a:rPr lang="en-US" smtClean="0"/>
+              <a:t>24</a:t>
+            </a:fld>
+            <a:endParaRPr lang="en-US"/>
+          </a:p>
+        </p:txBody>
+      </p:sp>
+    </p:spTree>
+    <p:extLst>
+      <p:ext uri="{BB962C8B-B14F-4D97-AF65-F5344CB8AC3E}">
+        <p14:creationId xmlns:p14="http://schemas.microsoft.com/office/powerpoint/2010/main" val="3231578876"/>
+      </p:ext>
+    </p:extLst>
+  </p:cSld>
+  <p:clrMapOvr>
+    <a:masterClrMapping/>
+  </p:clrMapOvr>
+</p:notes>
+</file>
+
+<file path=ppt/notesSlides/notesSlide21.xml><?xml version="1.0" encoding="utf-8"?>
+<p:notes xmlns:a="http://schemas.openxmlformats.org/drawingml/2006/main" xmlns:r="http://schemas.openxmlformats.org/officeDocument/2006/relationships" xmlns:p="http://schemas.openxmlformats.org/presentationml/2006/main">
+  <p:cSld>
+    <p:spTree>
+      <p:nvGrpSpPr>
+        <p:cNvPr id="1" name="">
+          <a:extLst>
+            <a:ext uri="{FF2B5EF4-FFF2-40B4-BE49-F238E27FC236}">
+              <a16:creationId xmlns:a16="http://schemas.microsoft.com/office/drawing/2014/main" id="{FAC870F5-CFB4-4EF9-1B56-0C586186B599}"/>
+            </a:ext>
+          </a:extLst>
+        </p:cNvPr>
+        <p:cNvGrpSpPr/>
+        <p:nvPr/>
+      </p:nvGrpSpPr>
+      <p:grpSpPr>
+        <a:xfrm>
+          <a:off x="0" y="0"/>
+          <a:ext cx="0" cy="0"/>
+          <a:chOff x="0" y="0"/>
+          <a:chExt cx="0" cy="0"/>
+        </a:xfrm>
+      </p:grpSpPr>
+      <p:sp>
+        <p:nvSpPr>
+          <p:cNvPr id="2" name="Slide Image Placeholder 1">
+            <a:extLst>
+              <a:ext uri="{FF2B5EF4-FFF2-40B4-BE49-F238E27FC236}">
+                <a16:creationId xmlns:a16="http://schemas.microsoft.com/office/drawing/2014/main" id="{5AABB7A3-93F6-F4D4-6AB4-E484CA557485}"/>
+              </a:ext>
+            </a:extLst>
+          </p:cNvPr>
+          <p:cNvSpPr>
+            <a:spLocks noGrp="1" noRot="1" noChangeAspect="1"/>
+          </p:cNvSpPr>
+          <p:nvPr>
+            <p:ph type="sldImg"/>
+          </p:nvPr>
+        </p:nvSpPr>
+        <p:spPr/>
+      </p:sp>
+      <p:sp>
+        <p:nvSpPr>
+          <p:cNvPr id="3" name="Notes Placeholder 2">
+            <a:extLst>
+              <a:ext uri="{FF2B5EF4-FFF2-40B4-BE49-F238E27FC236}">
+                <a16:creationId xmlns:a16="http://schemas.microsoft.com/office/drawing/2014/main" id="{31BB9462-5654-3B57-F7AE-304E05AA012E}"/>
+              </a:ext>
+            </a:extLst>
+          </p:cNvPr>
+          <p:cNvSpPr>
+            <a:spLocks noGrp="1"/>
+          </p:cNvSpPr>
+          <p:nvPr>
+            <p:ph type="body" idx="1"/>
+          </p:nvPr>
+        </p:nvSpPr>
+        <p:spPr/>
+        <p:txBody>
+          <a:bodyPr/>
+          <a:lstStyle/>
+          <a:p>
+            <a:endParaRPr lang="en-US" dirty="0"/>
+          </a:p>
+        </p:txBody>
+      </p:sp>
+      <p:sp>
+        <p:nvSpPr>
+          <p:cNvPr id="4" name="Slide Number Placeholder 3">
+            <a:extLst>
+              <a:ext uri="{FF2B5EF4-FFF2-40B4-BE49-F238E27FC236}">
+                <a16:creationId xmlns:a16="http://schemas.microsoft.com/office/drawing/2014/main" id="{610ED2C1-128A-B6A2-C48C-0551F1044533}"/>
+              </a:ext>
+            </a:extLst>
+          </p:cNvPr>
+          <p:cNvSpPr>
+            <a:spLocks noGrp="1"/>
+          </p:cNvSpPr>
+          <p:nvPr>
+            <p:ph type="sldNum" sz="quarter" idx="5"/>
+          </p:nvPr>
+        </p:nvSpPr>
+        <p:spPr/>
+        <p:txBody>
+          <a:bodyPr/>
+          <a:lstStyle/>
+          <a:p>
+            <a:fld id="{E85AC087-0484-406B-A35D-365DFFAC9338}" type="slidenum">
+              <a:rPr lang="en-US" smtClean="0"/>
+              <a:t>25</a:t>
+            </a:fld>
+            <a:endParaRPr lang="en-US"/>
+          </a:p>
+        </p:txBody>
+      </p:sp>
+    </p:spTree>
+    <p:extLst>
+      <p:ext uri="{BB962C8B-B14F-4D97-AF65-F5344CB8AC3E}">
+        <p14:creationId xmlns:p14="http://schemas.microsoft.com/office/powerpoint/2010/main" val="3012778720"/>
       </p:ext>
     </p:extLst>
   </p:cSld>
@@ -2276,7 +2930,7 @@
             <a:fld id="{1D8BD707-D9CF-40AE-B4C6-C98DA3205C09}" type="datetimeFigureOut">
               <a:rPr lang="en-US" smtClean="0"/>
               <a:pPr/>
-              <a:t>2/25/2025</a:t>
+              <a:t>2/26/2025</a:t>
             </a:fld>
             <a:endParaRPr lang="en-US"/>
           </a:p>
@@ -2441,7 +3095,7 @@
             <a:fld id="{1D8BD707-D9CF-40AE-B4C6-C98DA3205C09}" type="datetimeFigureOut">
               <a:rPr lang="en-US" smtClean="0"/>
               <a:pPr/>
-              <a:t>2/25/2025</a:t>
+              <a:t>2/26/2025</a:t>
             </a:fld>
             <a:endParaRPr lang="en-US"/>
           </a:p>
@@ -2616,7 +3270,7 @@
             <a:fld id="{1D8BD707-D9CF-40AE-B4C6-C98DA3205C09}" type="datetimeFigureOut">
               <a:rPr lang="en-US" smtClean="0"/>
               <a:pPr/>
-              <a:t>2/25/2025</a:t>
+              <a:t>2/26/2025</a:t>
             </a:fld>
             <a:endParaRPr lang="en-US"/>
           </a:p>
@@ -2781,7 +3435,7 @@
             <a:fld id="{1D8BD707-D9CF-40AE-B4C6-C98DA3205C09}" type="datetimeFigureOut">
               <a:rPr lang="en-US" smtClean="0"/>
               <a:pPr/>
-              <a:t>2/25/2025</a:t>
+              <a:t>2/26/2025</a:t>
             </a:fld>
             <a:endParaRPr lang="en-US"/>
           </a:p>
@@ -3023,7 +3677,7 @@
             <a:fld id="{1D8BD707-D9CF-40AE-B4C6-C98DA3205C09}" type="datetimeFigureOut">
               <a:rPr lang="en-US" smtClean="0"/>
               <a:pPr/>
-              <a:t>2/25/2025</a:t>
+              <a:t>2/26/2025</a:t>
             </a:fld>
             <a:endParaRPr lang="en-US"/>
           </a:p>
@@ -3305,7 +3959,7 @@
             <a:fld id="{1D8BD707-D9CF-40AE-B4C6-C98DA3205C09}" type="datetimeFigureOut">
               <a:rPr lang="en-US" smtClean="0"/>
               <a:pPr/>
-              <a:t>2/25/2025</a:t>
+              <a:t>2/26/2025</a:t>
             </a:fld>
             <a:endParaRPr lang="en-US"/>
           </a:p>
@@ -3721,7 +4375,7 @@
             <a:fld id="{1D8BD707-D9CF-40AE-B4C6-C98DA3205C09}" type="datetimeFigureOut">
               <a:rPr lang="en-US" smtClean="0"/>
               <a:pPr/>
-              <a:t>2/25/2025</a:t>
+              <a:t>2/26/2025</a:t>
             </a:fld>
             <a:endParaRPr lang="en-US"/>
           </a:p>
@@ -3835,7 +4489,7 @@
             <a:fld id="{1D8BD707-D9CF-40AE-B4C6-C98DA3205C09}" type="datetimeFigureOut">
               <a:rPr lang="en-US" smtClean="0"/>
               <a:pPr/>
-              <a:t>2/25/2025</a:t>
+              <a:t>2/26/2025</a:t>
             </a:fld>
             <a:endParaRPr lang="en-US"/>
           </a:p>
@@ -3927,7 +4581,7 @@
             <a:fld id="{1D8BD707-D9CF-40AE-B4C6-C98DA3205C09}" type="datetimeFigureOut">
               <a:rPr lang="en-US" smtClean="0"/>
               <a:pPr/>
-              <a:t>2/25/2025</a:t>
+              <a:t>2/26/2025</a:t>
             </a:fld>
             <a:endParaRPr lang="en-US"/>
           </a:p>
@@ -4199,7 +4853,7 @@
             <a:fld id="{1D8BD707-D9CF-40AE-B4C6-C98DA3205C09}" type="datetimeFigureOut">
               <a:rPr lang="en-US" smtClean="0"/>
               <a:pPr/>
-              <a:t>2/25/2025</a:t>
+              <a:t>2/26/2025</a:t>
             </a:fld>
             <a:endParaRPr lang="en-US"/>
           </a:p>
@@ -4448,7 +5102,7 @@
             <a:fld id="{1D8BD707-D9CF-40AE-B4C6-C98DA3205C09}" type="datetimeFigureOut">
               <a:rPr lang="en-US" smtClean="0"/>
               <a:pPr/>
-              <a:t>2/25/2025</a:t>
+              <a:t>2/26/2025</a:t>
             </a:fld>
             <a:endParaRPr lang="en-US"/>
           </a:p>
@@ -4656,7 +5310,7 @@
             <a:fld id="{1D8BD707-D9CF-40AE-B4C6-C98DA3205C09}" type="datetimeFigureOut">
               <a:rPr lang="en-US" smtClean="0"/>
               <a:pPr/>
-              <a:t>2/25/2025</a:t>
+              <a:t>2/26/2025</a:t>
             </a:fld>
             <a:endParaRPr lang="en-US"/>
           </a:p>
@@ -8420,7 +9074,7 @@
         <p:spPr>
           <a:xfrm>
             <a:off x="1143000" y="1638300"/>
-            <a:ext cx="15849600" cy="3385542"/>
+            <a:ext cx="15849600" cy="6093976"/>
           </a:xfrm>
           <a:prstGeom prst="rect">
             <a:avLst/>
@@ -8477,6 +9131,79 @@
             <a:r>
               <a:rPr lang="en-US" sz="4400" dirty="0"/>
               <a:t> Lives as long as the program runs.</a:t>
+            </a:r>
+          </a:p>
+          <a:p>
+            <a:endParaRPr lang="en-US" sz="4400" dirty="0"/>
+          </a:p>
+          <a:p>
+            <a:endParaRPr lang="en-US" sz="4400" dirty="0"/>
+          </a:p>
+          <a:p>
+            <a:r>
+              <a:rPr lang="en-US" sz="4400" b="1" dirty="0">
+                <a:solidFill>
+                  <a:schemeClr val="tx2">
+                    <a:lumMod val="60000"/>
+                    <a:lumOff val="40000"/>
+                  </a:schemeClr>
+                </a:solidFill>
+              </a:rPr>
+              <a:t>Caution</a:t>
+            </a:r>
+            <a:r>
+              <a:rPr lang="en-US" sz="4400" dirty="0">
+                <a:solidFill>
+                  <a:schemeClr val="tx2">
+                    <a:lumMod val="60000"/>
+                    <a:lumOff val="40000"/>
+                  </a:schemeClr>
+                </a:solidFill>
+              </a:rPr>
+              <a:t>: Overusing </a:t>
+            </a:r>
+            <a:r>
+              <a:rPr lang="en-US" sz="4400" dirty="0" err="1">
+                <a:solidFill>
+                  <a:schemeClr val="tx2">
+                    <a:lumMod val="60000"/>
+                    <a:lumOff val="40000"/>
+                  </a:schemeClr>
+                </a:solidFill>
+              </a:rPr>
+              <a:t>globals</a:t>
+            </a:r>
+            <a:r>
+              <a:rPr lang="en-US" sz="4400" dirty="0">
+                <a:solidFill>
+                  <a:schemeClr val="tx2">
+                    <a:lumMod val="60000"/>
+                    <a:lumOff val="40000"/>
+                  </a:schemeClr>
+                </a:solidFill>
+              </a:rPr>
+              <a:t> can make </a:t>
+            </a:r>
+            <a:br>
+              <a:rPr lang="en-US" sz="4400" dirty="0">
+                <a:solidFill>
+                  <a:schemeClr val="tx2">
+                    <a:lumMod val="60000"/>
+                    <a:lumOff val="40000"/>
+                  </a:schemeClr>
+                </a:solidFill>
+              </a:rPr>
+            </a:br>
+            <a:r>
+              <a:rPr lang="en-US" sz="4400" dirty="0">
+                <a:solidFill>
+                  <a:schemeClr val="tx2">
+                    <a:lumMod val="60000"/>
+                    <a:lumOff val="40000"/>
+                  </a:schemeClr>
+                </a:solidFill>
+              </a:rPr>
+              <a:t>code messy!</a:t>
             </a:r>
           </a:p>
         </p:txBody>
@@ -8815,6 +9542,121 @@
                                           <p:spTgt spid="5">
                                             <p:txEl>
                                               <p:pRg st="4" end="4"/>
+                                            </p:txEl>
+                                          </p:spTgt>
+                                        </p:tgtEl>
+                                        <p:attrNameLst>
+                                          <p:attrName>ppt_y</p:attrName>
+                                        </p:attrNameLst>
+                                      </p:cBhvr>
+                                      <p:tavLst>
+                                        <p:tav tm="0">
+                                          <p:val>
+                                            <p:strVal val="#ppt_y+.1"/>
+                                          </p:val>
+                                        </p:tav>
+                                        <p:tav tm="100000">
+                                          <p:val>
+                                            <p:strVal val="#ppt_y"/>
+                                          </p:val>
+                                        </p:tav>
+                                      </p:tavLst>
+                                    </p:anim>
+                                  </p:childTnLst>
+                                </p:cTn>
+                              </p:par>
+                            </p:childTnLst>
+                          </p:cTn>
+                        </p:par>
+                      </p:childTnLst>
+                    </p:cTn>
+                  </p:par>
+                  <p:par>
+                    <p:cTn id="24" fill="hold">
+                      <p:stCondLst>
+                        <p:cond delay="indefinite"/>
+                      </p:stCondLst>
+                      <p:childTnLst>
+                        <p:par>
+                          <p:cTn id="25" fill="hold">
+                            <p:stCondLst>
+                              <p:cond delay="0"/>
+                            </p:stCondLst>
+                            <p:childTnLst>
+                              <p:par>
+                                <p:cTn id="26" presetID="42" presetClass="entr" presetSubtype="0" fill="hold" grpId="0" nodeType="clickEffect">
+                                  <p:stCondLst>
+                                    <p:cond delay="0"/>
+                                  </p:stCondLst>
+                                  <p:childTnLst>
+                                    <p:set>
+                                      <p:cBhvr>
+                                        <p:cTn id="27" dur="1" fill="hold">
+                                          <p:stCondLst>
+                                            <p:cond delay="0"/>
+                                          </p:stCondLst>
+                                        </p:cTn>
+                                        <p:tgtEl>
+                                          <p:spTgt spid="5">
+                                            <p:txEl>
+                                              <p:pRg st="7" end="7"/>
+                                            </p:txEl>
+                                          </p:spTgt>
+                                        </p:tgtEl>
+                                        <p:attrNameLst>
+                                          <p:attrName>style.visibility</p:attrName>
+                                        </p:attrNameLst>
+                                      </p:cBhvr>
+                                      <p:to>
+                                        <p:strVal val="visible"/>
+                                      </p:to>
+                                    </p:set>
+                                    <p:animEffect transition="in" filter="fade">
+                                      <p:cBhvr>
+                                        <p:cTn id="28" dur="1000"/>
+                                        <p:tgtEl>
+                                          <p:spTgt spid="5">
+                                            <p:txEl>
+                                              <p:pRg st="7" end="7"/>
+                                            </p:txEl>
+                                          </p:spTgt>
+                                        </p:tgtEl>
+                                      </p:cBhvr>
+                                    </p:animEffect>
+                                    <p:anim calcmode="lin" valueType="num">
+                                      <p:cBhvr>
+                                        <p:cTn id="29" dur="1000" fill="hold"/>
+                                        <p:tgtEl>
+                                          <p:spTgt spid="5">
+                                            <p:txEl>
+                                              <p:pRg st="7" end="7"/>
+                                            </p:txEl>
+                                          </p:spTgt>
+                                        </p:tgtEl>
+                                        <p:attrNameLst>
+                                          <p:attrName>ppt_x</p:attrName>
+                                        </p:attrNameLst>
+                                      </p:cBhvr>
+                                      <p:tavLst>
+                                        <p:tav tm="0">
+                                          <p:val>
+                                            <p:strVal val="#ppt_x"/>
+                                          </p:val>
+                                        </p:tav>
+                                        <p:tav tm="100000">
+                                          <p:val>
+                                            <p:strVal val="#ppt_x"/>
+                                          </p:val>
+                                        </p:tav>
+                                      </p:tavLst>
+                                    </p:anim>
+                                    <p:anim calcmode="lin" valueType="num">
+                                      <p:cBhvr>
+                                        <p:cTn id="30" dur="1000" fill="hold"/>
+                                        <p:tgtEl>
+                                          <p:spTgt spid="5">
+                                            <p:txEl>
+                                              <p:pRg st="7" end="7"/>
                                             </p:txEl>
                                           </p:spTgt>
                                         </p:tgtEl>
@@ -9326,7 +10168,7 @@
         <p:spPr>
           <a:xfrm>
             <a:off x="1143000" y="1638300"/>
-            <a:ext cx="8382000" cy="7078861"/>
+            <a:ext cx="8382000" cy="6093976"/>
           </a:xfrm>
           <a:prstGeom prst="rect">
             <a:avLst/>
@@ -9382,77 +10224,21 @@
             </a:r>
             <a:r>
               <a:rPr lang="en-US" sz="4400" dirty="0"/>
-              <a:t> Lives as long as the program runs.</a:t>
-            </a:r>
-          </a:p>
-          <a:p>
-            <a:endParaRPr lang="en-US" sz="4400" dirty="0"/>
-          </a:p>
-          <a:p>
-            <a:r>
-              <a:rPr lang="en-US" sz="3200" b="1" dirty="0">
-                <a:solidFill>
-                  <a:schemeClr val="tx2">
-                    <a:lumMod val="60000"/>
-                    <a:lumOff val="40000"/>
-                  </a:schemeClr>
-                </a:solidFill>
-              </a:rPr>
-              <a:t>Caution</a:t>
-            </a:r>
-            <a:r>
-              <a:rPr lang="en-US" sz="3200" dirty="0">
-                <a:solidFill>
-                  <a:schemeClr val="tx2">
-                    <a:lumMod val="60000"/>
-                    <a:lumOff val="40000"/>
-                  </a:schemeClr>
-                </a:solidFill>
-              </a:rPr>
-              <a:t>: Overusing </a:t>
-            </a:r>
-            <a:r>
-              <a:rPr lang="en-US" sz="3200" dirty="0" err="1">
-                <a:solidFill>
-                  <a:schemeClr val="tx2">
-                    <a:lumMod val="60000"/>
-                    <a:lumOff val="40000"/>
-                  </a:schemeClr>
-                </a:solidFill>
-              </a:rPr>
-              <a:t>globals</a:t>
-            </a:r>
-            <a:r>
-              <a:rPr lang="en-US" sz="3200" dirty="0">
-                <a:solidFill>
-                  <a:schemeClr val="tx2">
-                    <a:lumMod val="60000"/>
-                    <a:lumOff val="40000"/>
-                  </a:schemeClr>
-                </a:solidFill>
-              </a:rPr>
-              <a:t> can make </a:t>
+              <a:t> Born when the </a:t>
             </a:r>
             <a:br>
-              <a:rPr lang="en-US" sz="3200" dirty="0">
-                <a:solidFill>
-                  <a:schemeClr val="tx2">
-                    <a:lumMod val="60000"/>
-                    <a:lumOff val="40000"/>
-                  </a:schemeClr>
-                </a:solidFill>
-              </a:rPr>
+              <a:rPr lang="en-US" sz="4400" dirty="0"/>
             </a:br>
             <a:r>
-              <a:rPr lang="en-US" sz="3200" dirty="0">
-                <a:solidFill>
-                  <a:schemeClr val="tx2">
-                    <a:lumMod val="60000"/>
-                    <a:lumOff val="40000"/>
-                  </a:schemeClr>
-                </a:solidFill>
-              </a:rPr>
-              <a:t>code messy!</a:t>
+              <a:rPr lang="en-US" sz="4400" dirty="0"/>
+              <a:t>function starts, dies when </a:t>
+            </a:r>
+            <a:br>
+              <a:rPr lang="en-US" sz="4400" dirty="0"/>
+            </a:br>
+            <a:r>
+              <a:rPr lang="en-US" sz="4400" dirty="0"/>
+              <a:t>it ends.</a:t>
             </a:r>
           </a:p>
         </p:txBody>
@@ -9479,7 +10265,7 @@
         </p:blipFill>
         <p:spPr>
           <a:xfrm>
-            <a:off x="8153400" y="3086100"/>
+            <a:off x="8292652" y="2926080"/>
             <a:ext cx="10010588" cy="5715000"/>
           </a:xfrm>
           <a:prstGeom prst="rect">
@@ -9863,7 +10649,7 @@
                             </p:stCondLst>
                             <p:childTnLst>
                               <p:par>
-                                <p:cTn id="26" presetID="42" presetClass="entr" presetSubtype="0" fill="hold" grpId="0" nodeType="clickEffect">
+                                <p:cTn id="26" presetID="2" presetClass="entr" presetSubtype="4" fill="hold" nodeType="clickEffect">
                                   <p:stCondLst>
                                     <p:cond delay="0"/>
                                   </p:stCondLst>
@@ -9871,121 +10657,6 @@
                                     <p:set>
                                       <p:cBhvr>
                                         <p:cTn id="27" dur="1" fill="hold">
-                                          <p:stCondLst>
-                                            <p:cond delay="0"/>
-                                          </p:stCondLst>
-                                        </p:cTn>
-                                        <p:tgtEl>
-                                          <p:spTgt spid="5">
-                                            <p:txEl>
-                                              <p:pRg st="6" end="6"/>
-                                            </p:txEl>
-                                          </p:spTgt>
-                                        </p:tgtEl>
-                                        <p:attrNameLst>
-                                          <p:attrName>style.visibility</p:attrName>
-                                        </p:attrNameLst>
-                                      </p:cBhvr>
-                                      <p:to>
-                                        <p:strVal val="visible"/>
-                                      </p:to>
-                                    </p:set>
-                                    <p:animEffect transition="in" filter="fade">
-                                      <p:cBhvr>
-                                        <p:cTn id="28" dur="1000"/>
-                                        <p:tgtEl>
-                                          <p:spTgt spid="5">
-                                            <p:txEl>
-                                              <p:pRg st="6" end="6"/>
-                                            </p:txEl>
-                                          </p:spTgt>
-                                        </p:tgtEl>
-                                      </p:cBhvr>
-                                    </p:animEffect>
-                                    <p:anim calcmode="lin" valueType="num">
-                                      <p:cBhvr>
-                                        <p:cTn id="29" dur="1000" fill="hold"/>
-                                        <p:tgtEl>
-                                          <p:spTgt spid="5">
-                                            <p:txEl>
-                                              <p:pRg st="6" end="6"/>
-                                            </p:txEl>
-                                          </p:spTgt>
-                                        </p:tgtEl>
-                                        <p:attrNameLst>
-                                          <p:attrName>ppt_x</p:attrName>
-                                        </p:attrNameLst>
-                                      </p:cBhvr>
-                                      <p:tavLst>
-                                        <p:tav tm="0">
-                                          <p:val>
-                                            <p:strVal val="#ppt_x"/>
-                                          </p:val>
-                                        </p:tav>
-                                        <p:tav tm="100000">
-                                          <p:val>
-                                            <p:strVal val="#ppt_x"/>
-                                          </p:val>
-                                        </p:tav>
-                                      </p:tavLst>
-                                    </p:anim>
-                                    <p:anim calcmode="lin" valueType="num">
-                                      <p:cBhvr>
-                                        <p:cTn id="30" dur="1000" fill="hold"/>
-                                        <p:tgtEl>
-                                          <p:spTgt spid="5">
-                                            <p:txEl>
-                                              <p:pRg st="6" end="6"/>
-                                            </p:txEl>
-                                          </p:spTgt>
-                                        </p:tgtEl>
-                                        <p:attrNameLst>
-                                          <p:attrName>ppt_y</p:attrName>
-                                        </p:attrNameLst>
-                                      </p:cBhvr>
-                                      <p:tavLst>
-                                        <p:tav tm="0">
-                                          <p:val>
-                                            <p:strVal val="#ppt_y+.1"/>
-                                          </p:val>
-                                        </p:tav>
-                                        <p:tav tm="100000">
-                                          <p:val>
-                                            <p:strVal val="#ppt_y"/>
-                                          </p:val>
-                                        </p:tav>
-                                      </p:tavLst>
-                                    </p:anim>
-                                  </p:childTnLst>
-                                </p:cTn>
-                              </p:par>
-                            </p:childTnLst>
-                          </p:cTn>
-                        </p:par>
-                      </p:childTnLst>
-                    </p:cTn>
-                  </p:par>
-                  <p:par>
-                    <p:cTn id="31" fill="hold">
-                      <p:stCondLst>
-                        <p:cond delay="indefinite"/>
-                      </p:stCondLst>
-                      <p:childTnLst>
-                        <p:par>
-                          <p:cTn id="32" fill="hold">
-                            <p:stCondLst>
-                              <p:cond delay="0"/>
-                            </p:stCondLst>
-                            <p:childTnLst>
-                              <p:par>
-                                <p:cTn id="33" presetID="2" presetClass="entr" presetSubtype="4" fill="hold" nodeType="clickEffect">
-                                  <p:stCondLst>
-                                    <p:cond delay="0"/>
-                                  </p:stCondLst>
-                                  <p:childTnLst>
-                                    <p:set>
-                                      <p:cBhvr>
-                                        <p:cTn id="34" dur="1" fill="hold">
                                           <p:stCondLst>
                                             <p:cond delay="0"/>
                                           </p:stCondLst>
@@ -10003,7 +10674,7 @@
                                     </p:set>
                                     <p:anim calcmode="lin" valueType="num">
                                       <p:cBhvr additive="base">
-                                        <p:cTn id="35" dur="500" fill="hold"/>
+                                        <p:cTn id="28" dur="500" fill="hold"/>
                                         <p:tgtEl>
                                           <p:spTgt spid="3"/>
                                         </p:tgtEl>
@@ -10026,7 +10697,7 @@
                                     </p:anim>
                                     <p:anim calcmode="lin" valueType="num">
                                       <p:cBhvr additive="base">
-                                        <p:cTn id="36" dur="500" fill="hold"/>
+                                        <p:cTn id="29" dur="500" fill="hold"/>
                                         <p:tgtEl>
                                           <p:spTgt spid="3"/>
                                         </p:tgtEl>
@@ -10523,7 +11194,7 @@
                 <a:cs typeface="Lato Bold"/>
                 <a:sym typeface="Lato Bold"/>
               </a:rPr>
-              <a:t>Local Variables</a:t>
+              <a:t>Static Variables</a:t>
             </a:r>
           </a:p>
         </p:txBody>
@@ -10543,7 +11214,7 @@
         <p:spPr>
           <a:xfrm>
             <a:off x="1143000" y="1638300"/>
-            <a:ext cx="16078200" cy="5047536"/>
+            <a:ext cx="16078200" cy="6032421"/>
           </a:xfrm>
           <a:prstGeom prst="rect">
             <a:avLst/>
@@ -10561,7 +11232,57 @@
             </a:r>
             <a:r>
               <a:rPr lang="en-US" sz="4400" dirty="0"/>
-              <a:t> Variables declared </a:t>
+              <a:t> Retains its value across multiple function calls and persists throughout the program's execution.</a:t>
+            </a:r>
+          </a:p>
+          <a:p>
+            <a:endParaRPr lang="en-US" sz="4400" dirty="0"/>
+          </a:p>
+          <a:p>
+            <a:r>
+              <a:rPr lang="en-US" sz="4400" b="1" dirty="0"/>
+              <a:t>Scope:</a:t>
+            </a:r>
+          </a:p>
+          <a:p>
+            <a:r>
+              <a:rPr lang="en-US" sz="4400" b="1" dirty="0"/>
+              <a:t>	</a:t>
+            </a:r>
+            <a:r>
+              <a:rPr lang="en-US" sz="4000" b="1" dirty="0"/>
+              <a:t> Static Local Variable: </a:t>
+            </a:r>
+            <a:r>
+              <a:rPr lang="en-US" sz="4000" dirty="0"/>
+              <a:t>Only usable within that function.</a:t>
+            </a:r>
+          </a:p>
+          <a:p>
+            <a:r>
+              <a:rPr lang="en-US" sz="4000" b="1" dirty="0"/>
+              <a:t>	Static Global Variable: </a:t>
+            </a:r>
+            <a:r>
+              <a:rPr lang="en-US" sz="4000" dirty="0"/>
+              <a:t>Usable anywhere in the program.</a:t>
+            </a:r>
+          </a:p>
+          <a:p>
+            <a:r>
+              <a:rPr lang="en-US" sz="4400" b="1" dirty="0"/>
+              <a:t>	</a:t>
+            </a:r>
+            <a:endParaRPr lang="en-US" sz="4400" dirty="0"/>
+          </a:p>
+          <a:p>
+            <a:r>
+              <a:rPr lang="en-US" sz="4400" b="1" dirty="0"/>
+              <a:t>Lifetime:</a:t>
+            </a:r>
+            <a:r>
+              <a:rPr lang="en-US" sz="4400" dirty="0"/>
+              <a:t> Exists </a:t>
             </a:r>
             <a:r>
               <a:rPr lang="en-US" sz="4400" dirty="0">
@@ -10569,107 +11290,11 @@
                   <a:srgbClr val="FF0000"/>
                 </a:solidFill>
               </a:rPr>
-              <a:t>inside</a:t>
+              <a:t>throughout the program's execution</a:t>
             </a:r>
             <a:r>
               <a:rPr lang="en-US" sz="4400" dirty="0"/>
-              <a:t> a function.</a:t>
-            </a:r>
-          </a:p>
-          <a:p>
-            <a:endParaRPr lang="en-US" sz="4400" dirty="0"/>
-          </a:p>
-          <a:p>
-            <a:r>
-              <a:rPr lang="en-US" sz="4400" b="1" dirty="0"/>
-              <a:t>Scope:</a:t>
-            </a:r>
-            <a:r>
-              <a:rPr lang="en-US" sz="4400" dirty="0"/>
-              <a:t> Only usable within that function.</a:t>
-            </a:r>
-          </a:p>
-          <a:p>
-            <a:endParaRPr lang="en-US" sz="4400" dirty="0"/>
-          </a:p>
-          <a:p>
-            <a:r>
-              <a:rPr lang="en-US" sz="4400" b="1" dirty="0"/>
-              <a:t>Lifetime:</a:t>
-            </a:r>
-            <a:r>
-              <a:rPr lang="en-US" sz="4400" dirty="0"/>
-              <a:t> Lives as long as the program runs.</a:t>
-            </a:r>
-          </a:p>
-          <a:p>
-            <a:endParaRPr lang="en-US" sz="4400" dirty="0"/>
-          </a:p>
-          <a:p>
-            <a:r>
-              <a:rPr lang="en-US" sz="3200" b="1" dirty="0">
-                <a:solidFill>
-                  <a:schemeClr val="tx2">
-                    <a:lumMod val="60000"/>
-                    <a:lumOff val="40000"/>
-                  </a:schemeClr>
-                </a:solidFill>
-              </a:rPr>
-              <a:t>Caution</a:t>
-            </a:r>
-            <a:r>
-              <a:rPr lang="en-US" sz="3200" dirty="0">
-                <a:solidFill>
-                  <a:schemeClr val="tx2">
-                    <a:lumMod val="60000"/>
-                    <a:lumOff val="40000"/>
-                  </a:schemeClr>
-                </a:solidFill>
-              </a:rPr>
-              <a:t>: Overusing </a:t>
-            </a:r>
-            <a:r>
-              <a:rPr lang="en-US" sz="3200" dirty="0" err="1">
-                <a:solidFill>
-                  <a:schemeClr val="tx2">
-                    <a:lumMod val="60000"/>
-                    <a:lumOff val="40000"/>
-                  </a:schemeClr>
-                </a:solidFill>
-              </a:rPr>
-              <a:t>globals</a:t>
-            </a:r>
-            <a:r>
-              <a:rPr lang="en-US" sz="3200" dirty="0">
-                <a:solidFill>
-                  <a:schemeClr val="tx2">
-                    <a:lumMod val="60000"/>
-                    <a:lumOff val="40000"/>
-                  </a:schemeClr>
-                </a:solidFill>
-              </a:rPr>
-              <a:t> can make </a:t>
-            </a:r>
-            <a:br>
-              <a:rPr lang="en-US" sz="3200" dirty="0">
-                <a:solidFill>
-                  <a:schemeClr val="tx2">
-                    <a:lumMod val="60000"/>
-                    <a:lumOff val="40000"/>
-                  </a:schemeClr>
-                </a:solidFill>
-              </a:rPr>
-            </a:br>
-            <a:r>
-              <a:rPr lang="en-US" sz="3200" dirty="0">
-                <a:solidFill>
-                  <a:schemeClr val="tx2">
-                    <a:lumMod val="60000"/>
-                    <a:lumOff val="40000"/>
-                  </a:schemeClr>
-                </a:solidFill>
-              </a:rPr>
-              <a:t>code messy!</a:t>
+              <a:t>, even if declared inside a function.</a:t>
             </a:r>
           </a:p>
         </p:txBody>
@@ -10950,7 +11575,7 @@
                                         <p:tgtEl>
                                           <p:spTgt spid="5">
                                             <p:txEl>
-                                              <p:pRg st="4" end="4"/>
+                                              <p:pRg st="3" end="3"/>
                                             </p:txEl>
                                           </p:spTgt>
                                         </p:tgtEl>
@@ -10968,7 +11593,7 @@
                                         <p:tgtEl>
                                           <p:spTgt spid="5">
                                             <p:txEl>
-                                              <p:pRg st="4" end="4"/>
+                                              <p:pRg st="3" end="3"/>
                                             </p:txEl>
                                           </p:spTgt>
                                         </p:tgtEl>
@@ -10980,7 +11605,7 @@
                                         <p:tgtEl>
                                           <p:spTgt spid="5">
                                             <p:txEl>
-                                              <p:pRg st="4" end="4"/>
+                                              <p:pRg st="3" end="3"/>
                                             </p:txEl>
                                           </p:spTgt>
                                         </p:tgtEl>
@@ -11007,7 +11632,7 @@
                                         <p:tgtEl>
                                           <p:spTgt spid="5">
                                             <p:txEl>
-                                              <p:pRg st="4" end="4"/>
+                                              <p:pRg st="3" end="3"/>
                                             </p:txEl>
                                           </p:spTgt>
                                         </p:tgtEl>
@@ -11065,7 +11690,7 @@
                                         <p:tgtEl>
                                           <p:spTgt spid="5">
                                             <p:txEl>
-                                              <p:pRg st="6" end="6"/>
+                                              <p:pRg st="4" end="4"/>
                                             </p:txEl>
                                           </p:spTgt>
                                         </p:tgtEl>
@@ -11083,7 +11708,7 @@
                                         <p:tgtEl>
                                           <p:spTgt spid="5">
                                             <p:txEl>
-                                              <p:pRg st="6" end="6"/>
+                                              <p:pRg st="4" end="4"/>
                                             </p:txEl>
                                           </p:spTgt>
                                         </p:tgtEl>
@@ -11095,7 +11720,7 @@
                                         <p:tgtEl>
                                           <p:spTgt spid="5">
                                             <p:txEl>
-                                              <p:pRg st="6" end="6"/>
+                                              <p:pRg st="4" end="4"/>
                                             </p:txEl>
                                           </p:spTgt>
                                         </p:tgtEl>
@@ -11119,6 +11744,236 @@
                                     <p:anim calcmode="lin" valueType="num">
                                       <p:cBhvr>
                                         <p:cTn id="30" dur="1000" fill="hold"/>
+                                        <p:tgtEl>
+                                          <p:spTgt spid="5">
+                                            <p:txEl>
+                                              <p:pRg st="4" end="4"/>
+                                            </p:txEl>
+                                          </p:spTgt>
+                                        </p:tgtEl>
+                                        <p:attrNameLst>
+                                          <p:attrName>ppt_y</p:attrName>
+                                        </p:attrNameLst>
+                                      </p:cBhvr>
+                                      <p:tavLst>
+                                        <p:tav tm="0">
+                                          <p:val>
+                                            <p:strVal val="#ppt_y+.1"/>
+                                          </p:val>
+                                        </p:tav>
+                                        <p:tav tm="100000">
+                                          <p:val>
+                                            <p:strVal val="#ppt_y"/>
+                                          </p:val>
+                                        </p:tav>
+                                      </p:tavLst>
+                                    </p:anim>
+                                  </p:childTnLst>
+                                </p:cTn>
+                              </p:par>
+                            </p:childTnLst>
+                          </p:cTn>
+                        </p:par>
+                      </p:childTnLst>
+                    </p:cTn>
+                  </p:par>
+                  <p:par>
+                    <p:cTn id="31" fill="hold">
+                      <p:stCondLst>
+                        <p:cond delay="indefinite"/>
+                      </p:stCondLst>
+                      <p:childTnLst>
+                        <p:par>
+                          <p:cTn id="32" fill="hold">
+                            <p:stCondLst>
+                              <p:cond delay="0"/>
+                            </p:stCondLst>
+                            <p:childTnLst>
+                              <p:par>
+                                <p:cTn id="33" presetID="42" presetClass="entr" presetSubtype="0" fill="hold" grpId="0" nodeType="clickEffect">
+                                  <p:stCondLst>
+                                    <p:cond delay="0"/>
+                                  </p:stCondLst>
+                                  <p:childTnLst>
+                                    <p:set>
+                                      <p:cBhvr>
+                                        <p:cTn id="34" dur="1" fill="hold">
+                                          <p:stCondLst>
+                                            <p:cond delay="0"/>
+                                          </p:stCondLst>
+                                        </p:cTn>
+                                        <p:tgtEl>
+                                          <p:spTgt spid="5">
+                                            <p:txEl>
+                                              <p:pRg st="5" end="5"/>
+                                            </p:txEl>
+                                          </p:spTgt>
+                                        </p:tgtEl>
+                                        <p:attrNameLst>
+                                          <p:attrName>style.visibility</p:attrName>
+                                        </p:attrNameLst>
+                                      </p:cBhvr>
+                                      <p:to>
+                                        <p:strVal val="visible"/>
+                                      </p:to>
+                                    </p:set>
+                                    <p:animEffect transition="in" filter="fade">
+                                      <p:cBhvr>
+                                        <p:cTn id="35" dur="1000"/>
+                                        <p:tgtEl>
+                                          <p:spTgt spid="5">
+                                            <p:txEl>
+                                              <p:pRg st="5" end="5"/>
+                                            </p:txEl>
+                                          </p:spTgt>
+                                        </p:tgtEl>
+                                      </p:cBhvr>
+                                    </p:animEffect>
+                                    <p:anim calcmode="lin" valueType="num">
+                                      <p:cBhvr>
+                                        <p:cTn id="36" dur="1000" fill="hold"/>
+                                        <p:tgtEl>
+                                          <p:spTgt spid="5">
+                                            <p:txEl>
+                                              <p:pRg st="5" end="5"/>
+                                            </p:txEl>
+                                          </p:spTgt>
+                                        </p:tgtEl>
+                                        <p:attrNameLst>
+                                          <p:attrName>ppt_x</p:attrName>
+                                        </p:attrNameLst>
+                                      </p:cBhvr>
+                                      <p:tavLst>
+                                        <p:tav tm="0">
+                                          <p:val>
+                                            <p:strVal val="#ppt_x"/>
+                                          </p:val>
+                                        </p:tav>
+                                        <p:tav tm="100000">
+                                          <p:val>
+                                            <p:strVal val="#ppt_x"/>
+                                          </p:val>
+                                        </p:tav>
+                                      </p:tavLst>
+                                    </p:anim>
+                                    <p:anim calcmode="lin" valueType="num">
+                                      <p:cBhvr>
+                                        <p:cTn id="37" dur="1000" fill="hold"/>
+                                        <p:tgtEl>
+                                          <p:spTgt spid="5">
+                                            <p:txEl>
+                                              <p:pRg st="5" end="5"/>
+                                            </p:txEl>
+                                          </p:spTgt>
+                                        </p:tgtEl>
+                                        <p:attrNameLst>
+                                          <p:attrName>ppt_y</p:attrName>
+                                        </p:attrNameLst>
+                                      </p:cBhvr>
+                                      <p:tavLst>
+                                        <p:tav tm="0">
+                                          <p:val>
+                                            <p:strVal val="#ppt_y+.1"/>
+                                          </p:val>
+                                        </p:tav>
+                                        <p:tav tm="100000">
+                                          <p:val>
+                                            <p:strVal val="#ppt_y"/>
+                                          </p:val>
+                                        </p:tav>
+                                      </p:tavLst>
+                                    </p:anim>
+                                  </p:childTnLst>
+                                </p:cTn>
+                              </p:par>
+                            </p:childTnLst>
+                          </p:cTn>
+                        </p:par>
+                      </p:childTnLst>
+                    </p:cTn>
+                  </p:par>
+                  <p:par>
+                    <p:cTn id="38" fill="hold">
+                      <p:stCondLst>
+                        <p:cond delay="indefinite"/>
+                      </p:stCondLst>
+                      <p:childTnLst>
+                        <p:par>
+                          <p:cTn id="39" fill="hold">
+                            <p:stCondLst>
+                              <p:cond delay="0"/>
+                            </p:stCondLst>
+                            <p:childTnLst>
+                              <p:par>
+                                <p:cTn id="40" presetID="42" presetClass="entr" presetSubtype="0" fill="hold" grpId="0" nodeType="clickEffect">
+                                  <p:stCondLst>
+                                    <p:cond delay="0"/>
+                                  </p:stCondLst>
+                                  <p:childTnLst>
+                                    <p:set>
+                                      <p:cBhvr>
+                                        <p:cTn id="41" dur="1" fill="hold">
+                                          <p:stCondLst>
+                                            <p:cond delay="0"/>
+                                          </p:stCondLst>
+                                        </p:cTn>
+                                        <p:tgtEl>
+                                          <p:spTgt spid="5">
+                                            <p:txEl>
+                                              <p:pRg st="6" end="6"/>
+                                            </p:txEl>
+                                          </p:spTgt>
+                                        </p:tgtEl>
+                                        <p:attrNameLst>
+                                          <p:attrName>style.visibility</p:attrName>
+                                        </p:attrNameLst>
+                                      </p:cBhvr>
+                                      <p:to>
+                                        <p:strVal val="visible"/>
+                                      </p:to>
+                                    </p:set>
+                                    <p:animEffect transition="in" filter="fade">
+                                      <p:cBhvr>
+                                        <p:cTn id="42" dur="1000"/>
+                                        <p:tgtEl>
+                                          <p:spTgt spid="5">
+                                            <p:txEl>
+                                              <p:pRg st="6" end="6"/>
+                                            </p:txEl>
+                                          </p:spTgt>
+                                        </p:tgtEl>
+                                      </p:cBhvr>
+                                    </p:animEffect>
+                                    <p:anim calcmode="lin" valueType="num">
+                                      <p:cBhvr>
+                                        <p:cTn id="43" dur="1000" fill="hold"/>
+                                        <p:tgtEl>
+                                          <p:spTgt spid="5">
+                                            <p:txEl>
+                                              <p:pRg st="6" end="6"/>
+                                            </p:txEl>
+                                          </p:spTgt>
+                                        </p:tgtEl>
+                                        <p:attrNameLst>
+                                          <p:attrName>ppt_x</p:attrName>
+                                        </p:attrNameLst>
+                                      </p:cBhvr>
+                                      <p:tavLst>
+                                        <p:tav tm="0">
+                                          <p:val>
+                                            <p:strVal val="#ppt_x"/>
+                                          </p:val>
+                                        </p:tav>
+                                        <p:tav tm="100000">
+                                          <p:val>
+                                            <p:strVal val="#ppt_x"/>
+                                          </p:val>
+                                        </p:tav>
+                                      </p:tavLst>
+                                    </p:anim>
+                                    <p:anim calcmode="lin" valueType="num">
+                                      <p:cBhvr>
+                                        <p:cTn id="44" dur="1000" fill="hold"/>
                                         <p:tgtEl>
                                           <p:spTgt spid="5">
                                             <p:txEl>
@@ -12401,6 +13256,2755 @@
 </file>
 
 <file path=ppt/slides/slide20.xml><?xml version="1.0" encoding="utf-8"?>
+<p:sld xmlns:a="http://schemas.openxmlformats.org/drawingml/2006/main" xmlns:r="http://schemas.openxmlformats.org/officeDocument/2006/relationships" xmlns:p="http://schemas.openxmlformats.org/presentationml/2006/main">
+  <p:cSld>
+    <p:spTree>
+      <p:nvGrpSpPr>
+        <p:cNvPr id="1" name="">
+          <a:extLst>
+            <a:ext uri="{FF2B5EF4-FFF2-40B4-BE49-F238E27FC236}">
+              <a16:creationId xmlns:a16="http://schemas.microsoft.com/office/drawing/2014/main" id="{B4DF9045-446B-0CC3-D95D-CF798B7C75D3}"/>
+            </a:ext>
+          </a:extLst>
+        </p:cNvPr>
+        <p:cNvGrpSpPr/>
+        <p:nvPr/>
+      </p:nvGrpSpPr>
+      <p:grpSpPr>
+        <a:xfrm>
+          <a:off x="0" y="0"/>
+          <a:ext cx="0" cy="0"/>
+          <a:chOff x="0" y="0"/>
+          <a:chExt cx="0" cy="0"/>
+        </a:xfrm>
+      </p:grpSpPr>
+      <p:sp>
+        <p:nvSpPr>
+          <p:cNvPr id="8" name="TextBox 9">
+            <a:extLst>
+              <a:ext uri="{FF2B5EF4-FFF2-40B4-BE49-F238E27FC236}">
+                <a16:creationId xmlns:a16="http://schemas.microsoft.com/office/drawing/2014/main" id="{099E2806-BD1A-DDAE-6B10-4AD796E5CC2A}"/>
+              </a:ext>
+            </a:extLst>
+          </p:cNvPr>
+          <p:cNvSpPr txBox="1"/>
+          <p:nvPr/>
+        </p:nvSpPr>
+        <p:spPr>
+          <a:xfrm>
+            <a:off x="1143000" y="495300"/>
+            <a:ext cx="12413131" cy="897682"/>
+          </a:xfrm>
+          <a:prstGeom prst="rect">
+            <a:avLst/>
+          </a:prstGeom>
+        </p:spPr>
+        <p:txBody>
+          <a:bodyPr wrap="square" lIns="0" tIns="0" rIns="0" bIns="0" rtlCol="0" anchor="t">
+            <a:spAutoFit/>
+          </a:bodyPr>
+          <a:lstStyle/>
+          <a:p>
+            <a:pPr algn="l">
+              <a:lnSpc>
+                <a:spcPts val="7000"/>
+              </a:lnSpc>
+            </a:pPr>
+            <a:r>
+              <a:rPr lang="en-US" sz="6000" b="1" spc="-100" dirty="0">
+                <a:solidFill>
+                  <a:srgbClr val="2E2E2E"/>
+                </a:solidFill>
+                <a:latin typeface="+mj-lt"/>
+                <a:ea typeface="Lato Bold"/>
+                <a:cs typeface="Lato Bold"/>
+                <a:sym typeface="Lato Bold"/>
+              </a:rPr>
+              <a:t>Static Variables</a:t>
+            </a:r>
+          </a:p>
+        </p:txBody>
+      </p:sp>
+      <p:pic>
+        <p:nvPicPr>
+          <p:cNvPr id="3" name="Picture 2">
+            <a:extLst>
+              <a:ext uri="{FF2B5EF4-FFF2-40B4-BE49-F238E27FC236}">
+                <a16:creationId xmlns:a16="http://schemas.microsoft.com/office/drawing/2014/main" id="{5DAC043D-6976-2B8E-71D9-924CAA253F5B}"/>
+              </a:ext>
+            </a:extLst>
+          </p:cNvPr>
+          <p:cNvPicPr>
+            <a:picLocks noChangeAspect="1"/>
+          </p:cNvPicPr>
+          <p:nvPr/>
+        </p:nvPicPr>
+        <p:blipFill>
+          <a:blip r:embed="rId3"/>
+          <a:stretch>
+            <a:fillRect/>
+          </a:stretch>
+        </p:blipFill>
+        <p:spPr>
+          <a:xfrm>
+            <a:off x="1143000" y="1790699"/>
+            <a:ext cx="11201400" cy="8087791"/>
+          </a:xfrm>
+          <a:prstGeom prst="rect">
+            <a:avLst/>
+          </a:prstGeom>
+        </p:spPr>
+      </p:pic>
+      <p:pic>
+        <p:nvPicPr>
+          <p:cNvPr id="4" name="Picture 3">
+            <a:extLst>
+              <a:ext uri="{FF2B5EF4-FFF2-40B4-BE49-F238E27FC236}">
+                <a16:creationId xmlns:a16="http://schemas.microsoft.com/office/drawing/2014/main" id="{83CF9243-D4D6-2670-DD61-652A562B2A2E}"/>
+              </a:ext>
+            </a:extLst>
+          </p:cNvPr>
+          <p:cNvPicPr>
+            <a:picLocks noChangeAspect="1"/>
+          </p:cNvPicPr>
+          <p:nvPr/>
+        </p:nvPicPr>
+        <p:blipFill>
+          <a:blip r:embed="rId4"/>
+          <a:stretch>
+            <a:fillRect/>
+          </a:stretch>
+        </p:blipFill>
+        <p:spPr>
+          <a:xfrm>
+            <a:off x="10193232" y="400890"/>
+            <a:ext cx="6725798" cy="2819400"/>
+          </a:xfrm>
+          <a:prstGeom prst="rect">
+            <a:avLst/>
+          </a:prstGeom>
+        </p:spPr>
+      </p:pic>
+    </p:spTree>
+    <p:extLst>
+      <p:ext uri="{BB962C8B-B14F-4D97-AF65-F5344CB8AC3E}">
+        <p14:creationId xmlns:p14="http://schemas.microsoft.com/office/powerpoint/2010/main" val="2254623727"/>
+      </p:ext>
+    </p:extLst>
+  </p:cSld>
+  <p:clrMapOvr>
+    <a:masterClrMapping/>
+  </p:clrMapOvr>
+</p:sld>
+</file>
+
+<file path=ppt/slides/slide21.xml><?xml version="1.0" encoding="utf-8"?>
+<p:sld xmlns:a="http://schemas.openxmlformats.org/drawingml/2006/main" xmlns:r="http://schemas.openxmlformats.org/officeDocument/2006/relationships" xmlns:p="http://schemas.openxmlformats.org/presentationml/2006/main">
+  <p:cSld>
+    <p:spTree>
+      <p:nvGrpSpPr>
+        <p:cNvPr id="1" name="">
+          <a:extLst>
+            <a:ext uri="{FF2B5EF4-FFF2-40B4-BE49-F238E27FC236}">
+              <a16:creationId xmlns:a16="http://schemas.microsoft.com/office/drawing/2014/main" id="{EFC59C69-5C18-E007-9C7A-31AD7338C4F6}"/>
+            </a:ext>
+          </a:extLst>
+        </p:cNvPr>
+        <p:cNvGrpSpPr/>
+        <p:nvPr/>
+      </p:nvGrpSpPr>
+      <p:grpSpPr>
+        <a:xfrm>
+          <a:off x="0" y="0"/>
+          <a:ext cx="0" cy="0"/>
+          <a:chOff x="0" y="0"/>
+          <a:chExt cx="0" cy="0"/>
+        </a:xfrm>
+      </p:grpSpPr>
+      <p:sp>
+        <p:nvSpPr>
+          <p:cNvPr id="8" name="TextBox 9">
+            <a:extLst>
+              <a:ext uri="{FF2B5EF4-FFF2-40B4-BE49-F238E27FC236}">
+                <a16:creationId xmlns:a16="http://schemas.microsoft.com/office/drawing/2014/main" id="{7EE5460C-9CFE-8950-9399-9619247F5274}"/>
+              </a:ext>
+            </a:extLst>
+          </p:cNvPr>
+          <p:cNvSpPr txBox="1"/>
+          <p:nvPr/>
+        </p:nvSpPr>
+        <p:spPr>
+          <a:xfrm>
+            <a:off x="1143000" y="495300"/>
+            <a:ext cx="12413131" cy="897682"/>
+          </a:xfrm>
+          <a:prstGeom prst="rect">
+            <a:avLst/>
+          </a:prstGeom>
+        </p:spPr>
+        <p:txBody>
+          <a:bodyPr wrap="square" lIns="0" tIns="0" rIns="0" bIns="0" rtlCol="0" anchor="t">
+            <a:spAutoFit/>
+          </a:bodyPr>
+          <a:lstStyle/>
+          <a:p>
+            <a:pPr algn="l">
+              <a:lnSpc>
+                <a:spcPts val="7000"/>
+              </a:lnSpc>
+            </a:pPr>
+            <a:r>
+              <a:rPr lang="en-US" sz="6000" b="1" spc="-100" dirty="0">
+                <a:solidFill>
+                  <a:srgbClr val="2E2E2E"/>
+                </a:solidFill>
+                <a:latin typeface="+mj-lt"/>
+                <a:ea typeface="Lato Bold"/>
+                <a:cs typeface="Lato Bold"/>
+                <a:sym typeface="Lato Bold"/>
+              </a:rPr>
+              <a:t>Short Comparison</a:t>
+            </a:r>
+          </a:p>
+        </p:txBody>
+      </p:sp>
+      <p:sp>
+        <p:nvSpPr>
+          <p:cNvPr id="5" name="TextBox 4">
+            <a:extLst>
+              <a:ext uri="{FF2B5EF4-FFF2-40B4-BE49-F238E27FC236}">
+                <a16:creationId xmlns:a16="http://schemas.microsoft.com/office/drawing/2014/main" id="{60D5FFA5-1AE8-4CC4-7CF0-4A889F64BDAF}"/>
+              </a:ext>
+            </a:extLst>
+          </p:cNvPr>
+          <p:cNvSpPr txBox="1"/>
+          <p:nvPr/>
+        </p:nvSpPr>
+        <p:spPr>
+          <a:xfrm>
+            <a:off x="1143000" y="1638300"/>
+            <a:ext cx="16078200" cy="4062651"/>
+          </a:xfrm>
+          <a:prstGeom prst="rect">
+            <a:avLst/>
+          </a:prstGeom>
+        </p:spPr>
+        <p:txBody>
+          <a:bodyPr wrap="square" lIns="0" tIns="0" rIns="0" bIns="0" rtlCol="0" anchor="t">
+            <a:spAutoFit/>
+          </a:bodyPr>
+          <a:lstStyle/>
+          <a:p>
+            <a:r>
+              <a:rPr lang="en-US" sz="4400" b="1" dirty="0"/>
+              <a:t>Local: </a:t>
+            </a:r>
+            <a:r>
+              <a:rPr lang="en-US" sz="4400" dirty="0"/>
+              <a:t>Only Inside its Block/function </a:t>
+            </a:r>
+            <a:r>
+              <a:rPr lang="en-US" sz="4400" dirty="0">
+                <a:solidFill>
+                  <a:srgbClr val="FF0000"/>
+                </a:solidFill>
+              </a:rPr>
+              <a:t>(super restricted).</a:t>
+            </a:r>
+          </a:p>
+          <a:p>
+            <a:endParaRPr lang="en-US" sz="4400" dirty="0">
+              <a:solidFill>
+                <a:srgbClr val="FF0000"/>
+              </a:solidFill>
+            </a:endParaRPr>
+          </a:p>
+          <a:p>
+            <a:r>
+              <a:rPr lang="en-US" sz="4400" b="1" dirty="0"/>
+              <a:t>Global: </a:t>
+            </a:r>
+            <a:r>
+              <a:rPr lang="en-US" sz="4400" dirty="0"/>
+              <a:t>Accessible anywhere in program </a:t>
+            </a:r>
+            <a:r>
+              <a:rPr lang="en-US" sz="4400" dirty="0">
+                <a:solidFill>
+                  <a:srgbClr val="FF0000"/>
+                </a:solidFill>
+              </a:rPr>
+              <a:t>(wide open).</a:t>
+            </a:r>
+          </a:p>
+          <a:p>
+            <a:endParaRPr lang="en-US" sz="4400" dirty="0">
+              <a:solidFill>
+                <a:srgbClr val="FF0000"/>
+              </a:solidFill>
+            </a:endParaRPr>
+          </a:p>
+          <a:p>
+            <a:r>
+              <a:rPr lang="en-US" sz="4400" b="1" dirty="0"/>
+              <a:t>Static: </a:t>
+            </a:r>
+            <a:r>
+              <a:rPr lang="en-US" sz="4400" dirty="0"/>
+              <a:t>space for it gets allocated for the lifetime of the program </a:t>
+            </a:r>
+            <a:r>
+              <a:rPr lang="en-US" sz="4400" dirty="0">
+                <a:solidFill>
+                  <a:srgbClr val="FF0000"/>
+                </a:solidFill>
+              </a:rPr>
+              <a:t>(it remember it’s value).</a:t>
+            </a:r>
+          </a:p>
+        </p:txBody>
+      </p:sp>
+    </p:spTree>
+    <p:extLst>
+      <p:ext uri="{BB962C8B-B14F-4D97-AF65-F5344CB8AC3E}">
+        <p14:creationId xmlns:p14="http://schemas.microsoft.com/office/powerpoint/2010/main" val="1574844653"/>
+      </p:ext>
+    </p:extLst>
+  </p:cSld>
+  <p:clrMapOvr>
+    <a:masterClrMapping/>
+  </p:clrMapOvr>
+  <p:timing>
+    <p:tnLst>
+      <p:par>
+        <p:cTn id="1" dur="indefinite" restart="never" nodeType="tmRoot">
+          <p:childTnLst>
+            <p:seq concurrent="1" nextAc="seek">
+              <p:cTn id="2" dur="indefinite" nodeType="mainSeq">
+                <p:childTnLst>
+                  <p:par>
+                    <p:cTn id="3" fill="hold">
+                      <p:stCondLst>
+                        <p:cond delay="indefinite"/>
+                      </p:stCondLst>
+                      <p:childTnLst>
+                        <p:par>
+                          <p:cTn id="4" fill="hold">
+                            <p:stCondLst>
+                              <p:cond delay="0"/>
+                            </p:stCondLst>
+                            <p:childTnLst>
+                              <p:par>
+                                <p:cTn id="5" presetID="42" presetClass="entr" presetSubtype="0" fill="hold" grpId="0" nodeType="clickEffect">
+                                  <p:stCondLst>
+                                    <p:cond delay="0"/>
+                                  </p:stCondLst>
+                                  <p:childTnLst>
+                                    <p:set>
+                                      <p:cBhvr>
+                                        <p:cTn id="6" dur="1" fill="hold">
+                                          <p:stCondLst>
+                                            <p:cond delay="0"/>
+                                          </p:stCondLst>
+                                        </p:cTn>
+                                        <p:tgtEl>
+                                          <p:spTgt spid="5">
+                                            <p:txEl>
+                                              <p:pRg st="0" end="0"/>
+                                            </p:txEl>
+                                          </p:spTgt>
+                                        </p:tgtEl>
+                                        <p:attrNameLst>
+                                          <p:attrName>style.visibility</p:attrName>
+                                        </p:attrNameLst>
+                                      </p:cBhvr>
+                                      <p:to>
+                                        <p:strVal val="visible"/>
+                                      </p:to>
+                                    </p:set>
+                                    <p:animEffect transition="in" filter="fade">
+                                      <p:cBhvr>
+                                        <p:cTn id="7" dur="1000"/>
+                                        <p:tgtEl>
+                                          <p:spTgt spid="5">
+                                            <p:txEl>
+                                              <p:pRg st="0" end="0"/>
+                                            </p:txEl>
+                                          </p:spTgt>
+                                        </p:tgtEl>
+                                      </p:cBhvr>
+                                    </p:animEffect>
+                                    <p:anim calcmode="lin" valueType="num">
+                                      <p:cBhvr>
+                                        <p:cTn id="8" dur="1000" fill="hold"/>
+                                        <p:tgtEl>
+                                          <p:spTgt spid="5">
+                                            <p:txEl>
+                                              <p:pRg st="0" end="0"/>
+                                            </p:txEl>
+                                          </p:spTgt>
+                                        </p:tgtEl>
+                                        <p:attrNameLst>
+                                          <p:attrName>ppt_x</p:attrName>
+                                        </p:attrNameLst>
+                                      </p:cBhvr>
+                                      <p:tavLst>
+                                        <p:tav tm="0">
+                                          <p:val>
+                                            <p:strVal val="#ppt_x"/>
+                                          </p:val>
+                                        </p:tav>
+                                        <p:tav tm="100000">
+                                          <p:val>
+                                            <p:strVal val="#ppt_x"/>
+                                          </p:val>
+                                        </p:tav>
+                                      </p:tavLst>
+                                    </p:anim>
+                                    <p:anim calcmode="lin" valueType="num">
+                                      <p:cBhvr>
+                                        <p:cTn id="9" dur="1000" fill="hold"/>
+                                        <p:tgtEl>
+                                          <p:spTgt spid="5">
+                                            <p:txEl>
+                                              <p:pRg st="0" end="0"/>
+                                            </p:txEl>
+                                          </p:spTgt>
+                                        </p:tgtEl>
+                                        <p:attrNameLst>
+                                          <p:attrName>ppt_y</p:attrName>
+                                        </p:attrNameLst>
+                                      </p:cBhvr>
+                                      <p:tavLst>
+                                        <p:tav tm="0">
+                                          <p:val>
+                                            <p:strVal val="#ppt_y+.1"/>
+                                          </p:val>
+                                        </p:tav>
+                                        <p:tav tm="100000">
+                                          <p:val>
+                                            <p:strVal val="#ppt_y"/>
+                                          </p:val>
+                                        </p:tav>
+                                      </p:tavLst>
+                                    </p:anim>
+                                  </p:childTnLst>
+                                </p:cTn>
+                              </p:par>
+                            </p:childTnLst>
+                          </p:cTn>
+                        </p:par>
+                      </p:childTnLst>
+                    </p:cTn>
+                  </p:par>
+                  <p:par>
+                    <p:cTn id="10" fill="hold">
+                      <p:stCondLst>
+                        <p:cond delay="indefinite"/>
+                      </p:stCondLst>
+                      <p:childTnLst>
+                        <p:par>
+                          <p:cTn id="11" fill="hold">
+                            <p:stCondLst>
+                              <p:cond delay="0"/>
+                            </p:stCondLst>
+                            <p:childTnLst>
+                              <p:par>
+                                <p:cTn id="12" presetID="42" presetClass="entr" presetSubtype="0" fill="hold" grpId="0" nodeType="clickEffect">
+                                  <p:stCondLst>
+                                    <p:cond delay="0"/>
+                                  </p:stCondLst>
+                                  <p:childTnLst>
+                                    <p:set>
+                                      <p:cBhvr>
+                                        <p:cTn id="13" dur="1" fill="hold">
+                                          <p:stCondLst>
+                                            <p:cond delay="0"/>
+                                          </p:stCondLst>
+                                        </p:cTn>
+                                        <p:tgtEl>
+                                          <p:spTgt spid="5">
+                                            <p:txEl>
+                                              <p:pRg st="2" end="2"/>
+                                            </p:txEl>
+                                          </p:spTgt>
+                                        </p:tgtEl>
+                                        <p:attrNameLst>
+                                          <p:attrName>style.visibility</p:attrName>
+                                        </p:attrNameLst>
+                                      </p:cBhvr>
+                                      <p:to>
+                                        <p:strVal val="visible"/>
+                                      </p:to>
+                                    </p:set>
+                                    <p:animEffect transition="in" filter="fade">
+                                      <p:cBhvr>
+                                        <p:cTn id="14" dur="1000"/>
+                                        <p:tgtEl>
+                                          <p:spTgt spid="5">
+                                            <p:txEl>
+                                              <p:pRg st="2" end="2"/>
+                                            </p:txEl>
+                                          </p:spTgt>
+                                        </p:tgtEl>
+                                      </p:cBhvr>
+                                    </p:animEffect>
+                                    <p:anim calcmode="lin" valueType="num">
+                                      <p:cBhvr>
+                                        <p:cTn id="15" dur="1000" fill="hold"/>
+                                        <p:tgtEl>
+                                          <p:spTgt spid="5">
+                                            <p:txEl>
+                                              <p:pRg st="2" end="2"/>
+                                            </p:txEl>
+                                          </p:spTgt>
+                                        </p:tgtEl>
+                                        <p:attrNameLst>
+                                          <p:attrName>ppt_x</p:attrName>
+                                        </p:attrNameLst>
+                                      </p:cBhvr>
+                                      <p:tavLst>
+                                        <p:tav tm="0">
+                                          <p:val>
+                                            <p:strVal val="#ppt_x"/>
+                                          </p:val>
+                                        </p:tav>
+                                        <p:tav tm="100000">
+                                          <p:val>
+                                            <p:strVal val="#ppt_x"/>
+                                          </p:val>
+                                        </p:tav>
+                                      </p:tavLst>
+                                    </p:anim>
+                                    <p:anim calcmode="lin" valueType="num">
+                                      <p:cBhvr>
+                                        <p:cTn id="16" dur="1000" fill="hold"/>
+                                        <p:tgtEl>
+                                          <p:spTgt spid="5">
+                                            <p:txEl>
+                                              <p:pRg st="2" end="2"/>
+                                            </p:txEl>
+                                          </p:spTgt>
+                                        </p:tgtEl>
+                                        <p:attrNameLst>
+                                          <p:attrName>ppt_y</p:attrName>
+                                        </p:attrNameLst>
+                                      </p:cBhvr>
+                                      <p:tavLst>
+                                        <p:tav tm="0">
+                                          <p:val>
+                                            <p:strVal val="#ppt_y+.1"/>
+                                          </p:val>
+                                        </p:tav>
+                                        <p:tav tm="100000">
+                                          <p:val>
+                                            <p:strVal val="#ppt_y"/>
+                                          </p:val>
+                                        </p:tav>
+                                      </p:tavLst>
+                                    </p:anim>
+                                  </p:childTnLst>
+                                </p:cTn>
+                              </p:par>
+                            </p:childTnLst>
+                          </p:cTn>
+                        </p:par>
+                      </p:childTnLst>
+                    </p:cTn>
+                  </p:par>
+                  <p:par>
+                    <p:cTn id="17" fill="hold">
+                      <p:stCondLst>
+                        <p:cond delay="indefinite"/>
+                      </p:stCondLst>
+                      <p:childTnLst>
+                        <p:par>
+                          <p:cTn id="18" fill="hold">
+                            <p:stCondLst>
+                              <p:cond delay="0"/>
+                            </p:stCondLst>
+                            <p:childTnLst>
+                              <p:par>
+                                <p:cTn id="19" presetID="42" presetClass="entr" presetSubtype="0" fill="hold" grpId="0" nodeType="clickEffect">
+                                  <p:stCondLst>
+                                    <p:cond delay="0"/>
+                                  </p:stCondLst>
+                                  <p:childTnLst>
+                                    <p:set>
+                                      <p:cBhvr>
+                                        <p:cTn id="20" dur="1" fill="hold">
+                                          <p:stCondLst>
+                                            <p:cond delay="0"/>
+                                          </p:stCondLst>
+                                        </p:cTn>
+                                        <p:tgtEl>
+                                          <p:spTgt spid="5">
+                                            <p:txEl>
+                                              <p:pRg st="4" end="4"/>
+                                            </p:txEl>
+                                          </p:spTgt>
+                                        </p:tgtEl>
+                                        <p:attrNameLst>
+                                          <p:attrName>style.visibility</p:attrName>
+                                        </p:attrNameLst>
+                                      </p:cBhvr>
+                                      <p:to>
+                                        <p:strVal val="visible"/>
+                                      </p:to>
+                                    </p:set>
+                                    <p:animEffect transition="in" filter="fade">
+                                      <p:cBhvr>
+                                        <p:cTn id="21" dur="1000"/>
+                                        <p:tgtEl>
+                                          <p:spTgt spid="5">
+                                            <p:txEl>
+                                              <p:pRg st="4" end="4"/>
+                                            </p:txEl>
+                                          </p:spTgt>
+                                        </p:tgtEl>
+                                      </p:cBhvr>
+                                    </p:animEffect>
+                                    <p:anim calcmode="lin" valueType="num">
+                                      <p:cBhvr>
+                                        <p:cTn id="22" dur="1000" fill="hold"/>
+                                        <p:tgtEl>
+                                          <p:spTgt spid="5">
+                                            <p:txEl>
+                                              <p:pRg st="4" end="4"/>
+                                            </p:txEl>
+                                          </p:spTgt>
+                                        </p:tgtEl>
+                                        <p:attrNameLst>
+                                          <p:attrName>ppt_x</p:attrName>
+                                        </p:attrNameLst>
+                                      </p:cBhvr>
+                                      <p:tavLst>
+                                        <p:tav tm="0">
+                                          <p:val>
+                                            <p:strVal val="#ppt_x"/>
+                                          </p:val>
+                                        </p:tav>
+                                        <p:tav tm="100000">
+                                          <p:val>
+                                            <p:strVal val="#ppt_x"/>
+                                          </p:val>
+                                        </p:tav>
+                                      </p:tavLst>
+                                    </p:anim>
+                                    <p:anim calcmode="lin" valueType="num">
+                                      <p:cBhvr>
+                                        <p:cTn id="23" dur="1000" fill="hold"/>
+                                        <p:tgtEl>
+                                          <p:spTgt spid="5">
+                                            <p:txEl>
+                                              <p:pRg st="4" end="4"/>
+                                            </p:txEl>
+                                          </p:spTgt>
+                                        </p:tgtEl>
+                                        <p:attrNameLst>
+                                          <p:attrName>ppt_y</p:attrName>
+                                        </p:attrNameLst>
+                                      </p:cBhvr>
+                                      <p:tavLst>
+                                        <p:tav tm="0">
+                                          <p:val>
+                                            <p:strVal val="#ppt_y+.1"/>
+                                          </p:val>
+                                        </p:tav>
+                                        <p:tav tm="100000">
+                                          <p:val>
+                                            <p:strVal val="#ppt_y"/>
+                                          </p:val>
+                                        </p:tav>
+                                      </p:tavLst>
+                                    </p:anim>
+                                  </p:childTnLst>
+                                </p:cTn>
+                              </p:par>
+                            </p:childTnLst>
+                          </p:cTn>
+                        </p:par>
+                      </p:childTnLst>
+                    </p:cTn>
+                  </p:par>
+                </p:childTnLst>
+              </p:cTn>
+              <p:prevCondLst>
+                <p:cond evt="onPrev" delay="0">
+                  <p:tgtEl>
+                    <p:sldTgt/>
+                  </p:tgtEl>
+                </p:cond>
+              </p:prevCondLst>
+              <p:nextCondLst>
+                <p:cond evt="onNext" delay="0">
+                  <p:tgtEl>
+                    <p:sldTgt/>
+                  </p:tgtEl>
+                </p:cond>
+              </p:nextCondLst>
+            </p:seq>
+          </p:childTnLst>
+        </p:cTn>
+      </p:par>
+    </p:tnLst>
+    <p:bldLst>
+      <p:bldP spid="5" grpId="0" build="p"/>
+    </p:bldLst>
+  </p:timing>
+</p:sld>
+</file>
+
+<file path=ppt/slides/slide22.xml><?xml version="1.0" encoding="utf-8"?>
+<p:sld xmlns:a="http://schemas.openxmlformats.org/drawingml/2006/main" xmlns:r="http://schemas.openxmlformats.org/officeDocument/2006/relationships" xmlns:p="http://schemas.openxmlformats.org/presentationml/2006/main">
+  <p:cSld>
+    <p:spTree>
+      <p:nvGrpSpPr>
+        <p:cNvPr id="1" name="">
+          <a:extLst>
+            <a:ext uri="{FF2B5EF4-FFF2-40B4-BE49-F238E27FC236}">
+              <a16:creationId xmlns:a16="http://schemas.microsoft.com/office/drawing/2014/main" id="{65DAA289-709F-CC08-5B21-C6333BF88B62}"/>
+            </a:ext>
+          </a:extLst>
+        </p:cNvPr>
+        <p:cNvGrpSpPr/>
+        <p:nvPr/>
+      </p:nvGrpSpPr>
+      <p:grpSpPr>
+        <a:xfrm>
+          <a:off x="0" y="0"/>
+          <a:ext cx="0" cy="0"/>
+          <a:chOff x="0" y="0"/>
+          <a:chExt cx="0" cy="0"/>
+        </a:xfrm>
+      </p:grpSpPr>
+      <p:sp>
+        <p:nvSpPr>
+          <p:cNvPr id="8" name="TextBox 9">
+            <a:extLst>
+              <a:ext uri="{FF2B5EF4-FFF2-40B4-BE49-F238E27FC236}">
+                <a16:creationId xmlns:a16="http://schemas.microsoft.com/office/drawing/2014/main" id="{AF794685-48B3-C307-BC9A-085E7796266C}"/>
+              </a:ext>
+            </a:extLst>
+          </p:cNvPr>
+          <p:cNvSpPr txBox="1"/>
+          <p:nvPr/>
+        </p:nvSpPr>
+        <p:spPr>
+          <a:xfrm>
+            <a:off x="1143000" y="495300"/>
+            <a:ext cx="12413131" cy="897682"/>
+          </a:xfrm>
+          <a:prstGeom prst="rect">
+            <a:avLst/>
+          </a:prstGeom>
+        </p:spPr>
+        <p:txBody>
+          <a:bodyPr wrap="square" lIns="0" tIns="0" rIns="0" bIns="0" rtlCol="0" anchor="t">
+            <a:spAutoFit/>
+          </a:bodyPr>
+          <a:lstStyle/>
+          <a:p>
+            <a:pPr algn="l">
+              <a:lnSpc>
+                <a:spcPts val="7000"/>
+              </a:lnSpc>
+            </a:pPr>
+            <a:r>
+              <a:rPr lang="en-US" sz="6000" b="1" spc="-100" dirty="0">
+                <a:solidFill>
+                  <a:srgbClr val="2E2E2E"/>
+                </a:solidFill>
+                <a:latin typeface="+mj-lt"/>
+                <a:ea typeface="Lato Bold"/>
+                <a:cs typeface="Lato Bold"/>
+                <a:sym typeface="Lato Bold"/>
+              </a:rPr>
+              <a:t>Passing Data To Functions</a:t>
+            </a:r>
+          </a:p>
+        </p:txBody>
+      </p:sp>
+      <p:sp>
+        <p:nvSpPr>
+          <p:cNvPr id="5" name="TextBox 4">
+            <a:extLst>
+              <a:ext uri="{FF2B5EF4-FFF2-40B4-BE49-F238E27FC236}">
+                <a16:creationId xmlns:a16="http://schemas.microsoft.com/office/drawing/2014/main" id="{1F685DD0-C27C-67B9-6A59-D68054283634}"/>
+              </a:ext>
+            </a:extLst>
+          </p:cNvPr>
+          <p:cNvSpPr txBox="1"/>
+          <p:nvPr/>
+        </p:nvSpPr>
+        <p:spPr>
+          <a:xfrm>
+            <a:off x="1143000" y="1638300"/>
+            <a:ext cx="16078200" cy="7448193"/>
+          </a:xfrm>
+          <a:prstGeom prst="rect">
+            <a:avLst/>
+          </a:prstGeom>
+        </p:spPr>
+        <p:txBody>
+          <a:bodyPr wrap="square" lIns="0" tIns="0" rIns="0" bIns="0" rtlCol="0" anchor="t">
+            <a:spAutoFit/>
+          </a:bodyPr>
+          <a:lstStyle/>
+          <a:p>
+            <a:r>
+              <a:rPr lang="en-US" sz="4400" dirty="0"/>
+              <a:t>Functions often need data to work with.</a:t>
+            </a:r>
+          </a:p>
+          <a:p>
+            <a:br>
+              <a:rPr lang="en-US" sz="4400" dirty="0"/>
+            </a:br>
+            <a:r>
+              <a:rPr lang="en-US" sz="4400" dirty="0"/>
+              <a:t>Two main ways to pass data in C++:</a:t>
+            </a:r>
+            <a:br>
+              <a:rPr lang="en-US" sz="4400" dirty="0"/>
+            </a:br>
+            <a:endParaRPr lang="en-US" sz="4400" dirty="0"/>
+          </a:p>
+          <a:p>
+            <a:r>
+              <a:rPr lang="en-US" sz="4400" b="1" dirty="0"/>
+              <a:t>Call by Value</a:t>
+            </a:r>
+            <a:r>
+              <a:rPr lang="en-US" sz="4400" dirty="0"/>
+              <a:t>: Send a </a:t>
+            </a:r>
+            <a:r>
+              <a:rPr lang="en-US" sz="4400" i="1" dirty="0"/>
+              <a:t>copy</a:t>
+            </a:r>
+            <a:r>
+              <a:rPr lang="en-US" sz="4400" dirty="0"/>
+              <a:t> of the data.</a:t>
+            </a:r>
+          </a:p>
+          <a:p>
+            <a:r>
+              <a:rPr lang="en-US" sz="4400" b="1" dirty="0"/>
+              <a:t>Call by Reference</a:t>
+            </a:r>
+            <a:r>
+              <a:rPr lang="en-US" sz="4400" dirty="0"/>
+              <a:t>: Send the </a:t>
+            </a:r>
+            <a:r>
+              <a:rPr lang="en-US" sz="4400" i="1" dirty="0"/>
+              <a:t>address</a:t>
+            </a:r>
+            <a:r>
+              <a:rPr lang="en-US" sz="4400" dirty="0"/>
+              <a:t> or </a:t>
+            </a:r>
+            <a:r>
+              <a:rPr lang="en-US" sz="4400" i="1" dirty="0"/>
+              <a:t>reference</a:t>
+            </a:r>
+            <a:r>
+              <a:rPr lang="en-US" sz="4400" dirty="0"/>
+              <a:t> to the data.</a:t>
+            </a:r>
+          </a:p>
+          <a:p>
+            <a:endParaRPr lang="en-US" sz="4400" dirty="0"/>
+          </a:p>
+          <a:p>
+            <a:r>
+              <a:rPr lang="en-US" sz="6600" b="1" dirty="0">
+                <a:solidFill>
+                  <a:srgbClr val="FF0000"/>
+                </a:solidFill>
+              </a:rPr>
+              <a:t>Confused </a:t>
+            </a:r>
+            <a:r>
+              <a:rPr lang="en-US" sz="6600" dirty="0"/>
+              <a:t>💭😕</a:t>
+            </a:r>
+          </a:p>
+          <a:p>
+            <a:endParaRPr lang="en-US" sz="6600" dirty="0"/>
+          </a:p>
+          <a:p>
+            <a:r>
+              <a:rPr lang="en-US" sz="4400" b="1" dirty="0">
+                <a:solidFill>
+                  <a:schemeClr val="tx2">
+                    <a:lumMod val="60000"/>
+                    <a:lumOff val="40000"/>
+                  </a:schemeClr>
+                </a:solidFill>
+              </a:rPr>
+              <a:t>Let’s break these down!</a:t>
+            </a:r>
+          </a:p>
+        </p:txBody>
+      </p:sp>
+    </p:spTree>
+    <p:extLst>
+      <p:ext uri="{BB962C8B-B14F-4D97-AF65-F5344CB8AC3E}">
+        <p14:creationId xmlns:p14="http://schemas.microsoft.com/office/powerpoint/2010/main" val="1980547099"/>
+      </p:ext>
+    </p:extLst>
+  </p:cSld>
+  <p:clrMapOvr>
+    <a:masterClrMapping/>
+  </p:clrMapOvr>
+  <p:timing>
+    <p:tnLst>
+      <p:par>
+        <p:cTn id="1" dur="indefinite" restart="never" nodeType="tmRoot">
+          <p:childTnLst>
+            <p:seq concurrent="1" nextAc="seek">
+              <p:cTn id="2" dur="indefinite" nodeType="mainSeq">
+                <p:childTnLst>
+                  <p:par>
+                    <p:cTn id="3" fill="hold">
+                      <p:stCondLst>
+                        <p:cond delay="indefinite"/>
+                      </p:stCondLst>
+                      <p:childTnLst>
+                        <p:par>
+                          <p:cTn id="4" fill="hold">
+                            <p:stCondLst>
+                              <p:cond delay="0"/>
+                            </p:stCondLst>
+                            <p:childTnLst>
+                              <p:par>
+                                <p:cTn id="5" presetID="42" presetClass="entr" presetSubtype="0" fill="hold" grpId="0" nodeType="clickEffect">
+                                  <p:stCondLst>
+                                    <p:cond delay="0"/>
+                                  </p:stCondLst>
+                                  <p:childTnLst>
+                                    <p:set>
+                                      <p:cBhvr>
+                                        <p:cTn id="6" dur="1" fill="hold">
+                                          <p:stCondLst>
+                                            <p:cond delay="0"/>
+                                          </p:stCondLst>
+                                        </p:cTn>
+                                        <p:tgtEl>
+                                          <p:spTgt spid="5">
+                                            <p:txEl>
+                                              <p:pRg st="0" end="0"/>
+                                            </p:txEl>
+                                          </p:spTgt>
+                                        </p:tgtEl>
+                                        <p:attrNameLst>
+                                          <p:attrName>style.visibility</p:attrName>
+                                        </p:attrNameLst>
+                                      </p:cBhvr>
+                                      <p:to>
+                                        <p:strVal val="visible"/>
+                                      </p:to>
+                                    </p:set>
+                                    <p:animEffect transition="in" filter="fade">
+                                      <p:cBhvr>
+                                        <p:cTn id="7" dur="1000"/>
+                                        <p:tgtEl>
+                                          <p:spTgt spid="5">
+                                            <p:txEl>
+                                              <p:pRg st="0" end="0"/>
+                                            </p:txEl>
+                                          </p:spTgt>
+                                        </p:tgtEl>
+                                      </p:cBhvr>
+                                    </p:animEffect>
+                                    <p:anim calcmode="lin" valueType="num">
+                                      <p:cBhvr>
+                                        <p:cTn id="8" dur="1000" fill="hold"/>
+                                        <p:tgtEl>
+                                          <p:spTgt spid="5">
+                                            <p:txEl>
+                                              <p:pRg st="0" end="0"/>
+                                            </p:txEl>
+                                          </p:spTgt>
+                                        </p:tgtEl>
+                                        <p:attrNameLst>
+                                          <p:attrName>ppt_x</p:attrName>
+                                        </p:attrNameLst>
+                                      </p:cBhvr>
+                                      <p:tavLst>
+                                        <p:tav tm="0">
+                                          <p:val>
+                                            <p:strVal val="#ppt_x"/>
+                                          </p:val>
+                                        </p:tav>
+                                        <p:tav tm="100000">
+                                          <p:val>
+                                            <p:strVal val="#ppt_x"/>
+                                          </p:val>
+                                        </p:tav>
+                                      </p:tavLst>
+                                    </p:anim>
+                                    <p:anim calcmode="lin" valueType="num">
+                                      <p:cBhvr>
+                                        <p:cTn id="9" dur="1000" fill="hold"/>
+                                        <p:tgtEl>
+                                          <p:spTgt spid="5">
+                                            <p:txEl>
+                                              <p:pRg st="0" end="0"/>
+                                            </p:txEl>
+                                          </p:spTgt>
+                                        </p:tgtEl>
+                                        <p:attrNameLst>
+                                          <p:attrName>ppt_y</p:attrName>
+                                        </p:attrNameLst>
+                                      </p:cBhvr>
+                                      <p:tavLst>
+                                        <p:tav tm="0">
+                                          <p:val>
+                                            <p:strVal val="#ppt_y+.1"/>
+                                          </p:val>
+                                        </p:tav>
+                                        <p:tav tm="100000">
+                                          <p:val>
+                                            <p:strVal val="#ppt_y"/>
+                                          </p:val>
+                                        </p:tav>
+                                      </p:tavLst>
+                                    </p:anim>
+                                  </p:childTnLst>
+                                </p:cTn>
+                              </p:par>
+                            </p:childTnLst>
+                          </p:cTn>
+                        </p:par>
+                      </p:childTnLst>
+                    </p:cTn>
+                  </p:par>
+                  <p:par>
+                    <p:cTn id="10" fill="hold">
+                      <p:stCondLst>
+                        <p:cond delay="indefinite"/>
+                      </p:stCondLst>
+                      <p:childTnLst>
+                        <p:par>
+                          <p:cTn id="11" fill="hold">
+                            <p:stCondLst>
+                              <p:cond delay="0"/>
+                            </p:stCondLst>
+                            <p:childTnLst>
+                              <p:par>
+                                <p:cTn id="12" presetID="42" presetClass="entr" presetSubtype="0" fill="hold" grpId="0" nodeType="clickEffect">
+                                  <p:stCondLst>
+                                    <p:cond delay="0"/>
+                                  </p:stCondLst>
+                                  <p:childTnLst>
+                                    <p:set>
+                                      <p:cBhvr>
+                                        <p:cTn id="13" dur="1" fill="hold">
+                                          <p:stCondLst>
+                                            <p:cond delay="0"/>
+                                          </p:stCondLst>
+                                        </p:cTn>
+                                        <p:tgtEl>
+                                          <p:spTgt spid="5">
+                                            <p:txEl>
+                                              <p:pRg st="1" end="1"/>
+                                            </p:txEl>
+                                          </p:spTgt>
+                                        </p:tgtEl>
+                                        <p:attrNameLst>
+                                          <p:attrName>style.visibility</p:attrName>
+                                        </p:attrNameLst>
+                                      </p:cBhvr>
+                                      <p:to>
+                                        <p:strVal val="visible"/>
+                                      </p:to>
+                                    </p:set>
+                                    <p:animEffect transition="in" filter="fade">
+                                      <p:cBhvr>
+                                        <p:cTn id="14" dur="1000"/>
+                                        <p:tgtEl>
+                                          <p:spTgt spid="5">
+                                            <p:txEl>
+                                              <p:pRg st="1" end="1"/>
+                                            </p:txEl>
+                                          </p:spTgt>
+                                        </p:tgtEl>
+                                      </p:cBhvr>
+                                    </p:animEffect>
+                                    <p:anim calcmode="lin" valueType="num">
+                                      <p:cBhvr>
+                                        <p:cTn id="15" dur="1000" fill="hold"/>
+                                        <p:tgtEl>
+                                          <p:spTgt spid="5">
+                                            <p:txEl>
+                                              <p:pRg st="1" end="1"/>
+                                            </p:txEl>
+                                          </p:spTgt>
+                                        </p:tgtEl>
+                                        <p:attrNameLst>
+                                          <p:attrName>ppt_x</p:attrName>
+                                        </p:attrNameLst>
+                                      </p:cBhvr>
+                                      <p:tavLst>
+                                        <p:tav tm="0">
+                                          <p:val>
+                                            <p:strVal val="#ppt_x"/>
+                                          </p:val>
+                                        </p:tav>
+                                        <p:tav tm="100000">
+                                          <p:val>
+                                            <p:strVal val="#ppt_x"/>
+                                          </p:val>
+                                        </p:tav>
+                                      </p:tavLst>
+                                    </p:anim>
+                                    <p:anim calcmode="lin" valueType="num">
+                                      <p:cBhvr>
+                                        <p:cTn id="16" dur="1000" fill="hold"/>
+                                        <p:tgtEl>
+                                          <p:spTgt spid="5">
+                                            <p:txEl>
+                                              <p:pRg st="1" end="1"/>
+                                            </p:txEl>
+                                          </p:spTgt>
+                                        </p:tgtEl>
+                                        <p:attrNameLst>
+                                          <p:attrName>ppt_y</p:attrName>
+                                        </p:attrNameLst>
+                                      </p:cBhvr>
+                                      <p:tavLst>
+                                        <p:tav tm="0">
+                                          <p:val>
+                                            <p:strVal val="#ppt_y+.1"/>
+                                          </p:val>
+                                        </p:tav>
+                                        <p:tav tm="100000">
+                                          <p:val>
+                                            <p:strVal val="#ppt_y"/>
+                                          </p:val>
+                                        </p:tav>
+                                      </p:tavLst>
+                                    </p:anim>
+                                  </p:childTnLst>
+                                </p:cTn>
+                              </p:par>
+                            </p:childTnLst>
+                          </p:cTn>
+                        </p:par>
+                      </p:childTnLst>
+                    </p:cTn>
+                  </p:par>
+                  <p:par>
+                    <p:cTn id="17" fill="hold">
+                      <p:stCondLst>
+                        <p:cond delay="indefinite"/>
+                      </p:stCondLst>
+                      <p:childTnLst>
+                        <p:par>
+                          <p:cTn id="18" fill="hold">
+                            <p:stCondLst>
+                              <p:cond delay="0"/>
+                            </p:stCondLst>
+                            <p:childTnLst>
+                              <p:par>
+                                <p:cTn id="19" presetID="42" presetClass="entr" presetSubtype="0" fill="hold" grpId="0" nodeType="clickEffect">
+                                  <p:stCondLst>
+                                    <p:cond delay="0"/>
+                                  </p:stCondLst>
+                                  <p:childTnLst>
+                                    <p:set>
+                                      <p:cBhvr>
+                                        <p:cTn id="20" dur="1" fill="hold">
+                                          <p:stCondLst>
+                                            <p:cond delay="0"/>
+                                          </p:stCondLst>
+                                        </p:cTn>
+                                        <p:tgtEl>
+                                          <p:spTgt spid="5">
+                                            <p:txEl>
+                                              <p:pRg st="2" end="2"/>
+                                            </p:txEl>
+                                          </p:spTgt>
+                                        </p:tgtEl>
+                                        <p:attrNameLst>
+                                          <p:attrName>style.visibility</p:attrName>
+                                        </p:attrNameLst>
+                                      </p:cBhvr>
+                                      <p:to>
+                                        <p:strVal val="visible"/>
+                                      </p:to>
+                                    </p:set>
+                                    <p:animEffect transition="in" filter="fade">
+                                      <p:cBhvr>
+                                        <p:cTn id="21" dur="1000"/>
+                                        <p:tgtEl>
+                                          <p:spTgt spid="5">
+                                            <p:txEl>
+                                              <p:pRg st="2" end="2"/>
+                                            </p:txEl>
+                                          </p:spTgt>
+                                        </p:tgtEl>
+                                      </p:cBhvr>
+                                    </p:animEffect>
+                                    <p:anim calcmode="lin" valueType="num">
+                                      <p:cBhvr>
+                                        <p:cTn id="22" dur="1000" fill="hold"/>
+                                        <p:tgtEl>
+                                          <p:spTgt spid="5">
+                                            <p:txEl>
+                                              <p:pRg st="2" end="2"/>
+                                            </p:txEl>
+                                          </p:spTgt>
+                                        </p:tgtEl>
+                                        <p:attrNameLst>
+                                          <p:attrName>ppt_x</p:attrName>
+                                        </p:attrNameLst>
+                                      </p:cBhvr>
+                                      <p:tavLst>
+                                        <p:tav tm="0">
+                                          <p:val>
+                                            <p:strVal val="#ppt_x"/>
+                                          </p:val>
+                                        </p:tav>
+                                        <p:tav tm="100000">
+                                          <p:val>
+                                            <p:strVal val="#ppt_x"/>
+                                          </p:val>
+                                        </p:tav>
+                                      </p:tavLst>
+                                    </p:anim>
+                                    <p:anim calcmode="lin" valueType="num">
+                                      <p:cBhvr>
+                                        <p:cTn id="23" dur="1000" fill="hold"/>
+                                        <p:tgtEl>
+                                          <p:spTgt spid="5">
+                                            <p:txEl>
+                                              <p:pRg st="2" end="2"/>
+                                            </p:txEl>
+                                          </p:spTgt>
+                                        </p:tgtEl>
+                                        <p:attrNameLst>
+                                          <p:attrName>ppt_y</p:attrName>
+                                        </p:attrNameLst>
+                                      </p:cBhvr>
+                                      <p:tavLst>
+                                        <p:tav tm="0">
+                                          <p:val>
+                                            <p:strVal val="#ppt_y+.1"/>
+                                          </p:val>
+                                        </p:tav>
+                                        <p:tav tm="100000">
+                                          <p:val>
+                                            <p:strVal val="#ppt_y"/>
+                                          </p:val>
+                                        </p:tav>
+                                      </p:tavLst>
+                                    </p:anim>
+                                  </p:childTnLst>
+                                </p:cTn>
+                              </p:par>
+                            </p:childTnLst>
+                          </p:cTn>
+                        </p:par>
+                      </p:childTnLst>
+                    </p:cTn>
+                  </p:par>
+                  <p:par>
+                    <p:cTn id="24" fill="hold">
+                      <p:stCondLst>
+                        <p:cond delay="indefinite"/>
+                      </p:stCondLst>
+                      <p:childTnLst>
+                        <p:par>
+                          <p:cTn id="25" fill="hold">
+                            <p:stCondLst>
+                              <p:cond delay="0"/>
+                            </p:stCondLst>
+                            <p:childTnLst>
+                              <p:par>
+                                <p:cTn id="26" presetID="42" presetClass="entr" presetSubtype="0" fill="hold" grpId="0" nodeType="clickEffect">
+                                  <p:stCondLst>
+                                    <p:cond delay="0"/>
+                                  </p:stCondLst>
+                                  <p:childTnLst>
+                                    <p:set>
+                                      <p:cBhvr>
+                                        <p:cTn id="27" dur="1" fill="hold">
+                                          <p:stCondLst>
+                                            <p:cond delay="0"/>
+                                          </p:stCondLst>
+                                        </p:cTn>
+                                        <p:tgtEl>
+                                          <p:spTgt spid="5">
+                                            <p:txEl>
+                                              <p:pRg st="3" end="3"/>
+                                            </p:txEl>
+                                          </p:spTgt>
+                                        </p:tgtEl>
+                                        <p:attrNameLst>
+                                          <p:attrName>style.visibility</p:attrName>
+                                        </p:attrNameLst>
+                                      </p:cBhvr>
+                                      <p:to>
+                                        <p:strVal val="visible"/>
+                                      </p:to>
+                                    </p:set>
+                                    <p:animEffect transition="in" filter="fade">
+                                      <p:cBhvr>
+                                        <p:cTn id="28" dur="1000"/>
+                                        <p:tgtEl>
+                                          <p:spTgt spid="5">
+                                            <p:txEl>
+                                              <p:pRg st="3" end="3"/>
+                                            </p:txEl>
+                                          </p:spTgt>
+                                        </p:tgtEl>
+                                      </p:cBhvr>
+                                    </p:animEffect>
+                                    <p:anim calcmode="lin" valueType="num">
+                                      <p:cBhvr>
+                                        <p:cTn id="29" dur="1000" fill="hold"/>
+                                        <p:tgtEl>
+                                          <p:spTgt spid="5">
+                                            <p:txEl>
+                                              <p:pRg st="3" end="3"/>
+                                            </p:txEl>
+                                          </p:spTgt>
+                                        </p:tgtEl>
+                                        <p:attrNameLst>
+                                          <p:attrName>ppt_x</p:attrName>
+                                        </p:attrNameLst>
+                                      </p:cBhvr>
+                                      <p:tavLst>
+                                        <p:tav tm="0">
+                                          <p:val>
+                                            <p:strVal val="#ppt_x"/>
+                                          </p:val>
+                                        </p:tav>
+                                        <p:tav tm="100000">
+                                          <p:val>
+                                            <p:strVal val="#ppt_x"/>
+                                          </p:val>
+                                        </p:tav>
+                                      </p:tavLst>
+                                    </p:anim>
+                                    <p:anim calcmode="lin" valueType="num">
+                                      <p:cBhvr>
+                                        <p:cTn id="30" dur="1000" fill="hold"/>
+                                        <p:tgtEl>
+                                          <p:spTgt spid="5">
+                                            <p:txEl>
+                                              <p:pRg st="3" end="3"/>
+                                            </p:txEl>
+                                          </p:spTgt>
+                                        </p:tgtEl>
+                                        <p:attrNameLst>
+                                          <p:attrName>ppt_y</p:attrName>
+                                        </p:attrNameLst>
+                                      </p:cBhvr>
+                                      <p:tavLst>
+                                        <p:tav tm="0">
+                                          <p:val>
+                                            <p:strVal val="#ppt_y+.1"/>
+                                          </p:val>
+                                        </p:tav>
+                                        <p:tav tm="100000">
+                                          <p:val>
+                                            <p:strVal val="#ppt_y"/>
+                                          </p:val>
+                                        </p:tav>
+                                      </p:tavLst>
+                                    </p:anim>
+                                  </p:childTnLst>
+                                </p:cTn>
+                              </p:par>
+                            </p:childTnLst>
+                          </p:cTn>
+                        </p:par>
+                      </p:childTnLst>
+                    </p:cTn>
+                  </p:par>
+                  <p:par>
+                    <p:cTn id="31" fill="hold">
+                      <p:stCondLst>
+                        <p:cond delay="indefinite"/>
+                      </p:stCondLst>
+                      <p:childTnLst>
+                        <p:par>
+                          <p:cTn id="32" fill="hold">
+                            <p:stCondLst>
+                              <p:cond delay="0"/>
+                            </p:stCondLst>
+                            <p:childTnLst>
+                              <p:par>
+                                <p:cTn id="33" presetID="42" presetClass="entr" presetSubtype="0" fill="hold" grpId="0" nodeType="clickEffect">
+                                  <p:stCondLst>
+                                    <p:cond delay="0"/>
+                                  </p:stCondLst>
+                                  <p:childTnLst>
+                                    <p:set>
+                                      <p:cBhvr>
+                                        <p:cTn id="34" dur="1" fill="hold">
+                                          <p:stCondLst>
+                                            <p:cond delay="0"/>
+                                          </p:stCondLst>
+                                        </p:cTn>
+                                        <p:tgtEl>
+                                          <p:spTgt spid="5">
+                                            <p:txEl>
+                                              <p:pRg st="5" end="5"/>
+                                            </p:txEl>
+                                          </p:spTgt>
+                                        </p:tgtEl>
+                                        <p:attrNameLst>
+                                          <p:attrName>style.visibility</p:attrName>
+                                        </p:attrNameLst>
+                                      </p:cBhvr>
+                                      <p:to>
+                                        <p:strVal val="visible"/>
+                                      </p:to>
+                                    </p:set>
+                                    <p:animEffect transition="in" filter="fade">
+                                      <p:cBhvr>
+                                        <p:cTn id="35" dur="1000"/>
+                                        <p:tgtEl>
+                                          <p:spTgt spid="5">
+                                            <p:txEl>
+                                              <p:pRg st="5" end="5"/>
+                                            </p:txEl>
+                                          </p:spTgt>
+                                        </p:tgtEl>
+                                      </p:cBhvr>
+                                    </p:animEffect>
+                                    <p:anim calcmode="lin" valueType="num">
+                                      <p:cBhvr>
+                                        <p:cTn id="36" dur="1000" fill="hold"/>
+                                        <p:tgtEl>
+                                          <p:spTgt spid="5">
+                                            <p:txEl>
+                                              <p:pRg st="5" end="5"/>
+                                            </p:txEl>
+                                          </p:spTgt>
+                                        </p:tgtEl>
+                                        <p:attrNameLst>
+                                          <p:attrName>ppt_x</p:attrName>
+                                        </p:attrNameLst>
+                                      </p:cBhvr>
+                                      <p:tavLst>
+                                        <p:tav tm="0">
+                                          <p:val>
+                                            <p:strVal val="#ppt_x"/>
+                                          </p:val>
+                                        </p:tav>
+                                        <p:tav tm="100000">
+                                          <p:val>
+                                            <p:strVal val="#ppt_x"/>
+                                          </p:val>
+                                        </p:tav>
+                                      </p:tavLst>
+                                    </p:anim>
+                                    <p:anim calcmode="lin" valueType="num">
+                                      <p:cBhvr>
+                                        <p:cTn id="37" dur="1000" fill="hold"/>
+                                        <p:tgtEl>
+                                          <p:spTgt spid="5">
+                                            <p:txEl>
+                                              <p:pRg st="5" end="5"/>
+                                            </p:txEl>
+                                          </p:spTgt>
+                                        </p:tgtEl>
+                                        <p:attrNameLst>
+                                          <p:attrName>ppt_y</p:attrName>
+                                        </p:attrNameLst>
+                                      </p:cBhvr>
+                                      <p:tavLst>
+                                        <p:tav tm="0">
+                                          <p:val>
+                                            <p:strVal val="#ppt_y+.1"/>
+                                          </p:val>
+                                        </p:tav>
+                                        <p:tav tm="100000">
+                                          <p:val>
+                                            <p:strVal val="#ppt_y"/>
+                                          </p:val>
+                                        </p:tav>
+                                      </p:tavLst>
+                                    </p:anim>
+                                  </p:childTnLst>
+                                </p:cTn>
+                              </p:par>
+                            </p:childTnLst>
+                          </p:cTn>
+                        </p:par>
+                      </p:childTnLst>
+                    </p:cTn>
+                  </p:par>
+                  <p:par>
+                    <p:cTn id="38" fill="hold">
+                      <p:stCondLst>
+                        <p:cond delay="indefinite"/>
+                      </p:stCondLst>
+                      <p:childTnLst>
+                        <p:par>
+                          <p:cTn id="39" fill="hold">
+                            <p:stCondLst>
+                              <p:cond delay="0"/>
+                            </p:stCondLst>
+                            <p:childTnLst>
+                              <p:par>
+                                <p:cTn id="40" presetID="42" presetClass="entr" presetSubtype="0" fill="hold" grpId="0" nodeType="clickEffect">
+                                  <p:stCondLst>
+                                    <p:cond delay="0"/>
+                                  </p:stCondLst>
+                                  <p:childTnLst>
+                                    <p:set>
+                                      <p:cBhvr>
+                                        <p:cTn id="41" dur="1" fill="hold">
+                                          <p:stCondLst>
+                                            <p:cond delay="0"/>
+                                          </p:stCondLst>
+                                        </p:cTn>
+                                        <p:tgtEl>
+                                          <p:spTgt spid="5">
+                                            <p:txEl>
+                                              <p:pRg st="7" end="7"/>
+                                            </p:txEl>
+                                          </p:spTgt>
+                                        </p:tgtEl>
+                                        <p:attrNameLst>
+                                          <p:attrName>style.visibility</p:attrName>
+                                        </p:attrNameLst>
+                                      </p:cBhvr>
+                                      <p:to>
+                                        <p:strVal val="visible"/>
+                                      </p:to>
+                                    </p:set>
+                                    <p:animEffect transition="in" filter="fade">
+                                      <p:cBhvr>
+                                        <p:cTn id="42" dur="1000"/>
+                                        <p:tgtEl>
+                                          <p:spTgt spid="5">
+                                            <p:txEl>
+                                              <p:pRg st="7" end="7"/>
+                                            </p:txEl>
+                                          </p:spTgt>
+                                        </p:tgtEl>
+                                      </p:cBhvr>
+                                    </p:animEffect>
+                                    <p:anim calcmode="lin" valueType="num">
+                                      <p:cBhvr>
+                                        <p:cTn id="43" dur="1000" fill="hold"/>
+                                        <p:tgtEl>
+                                          <p:spTgt spid="5">
+                                            <p:txEl>
+                                              <p:pRg st="7" end="7"/>
+                                            </p:txEl>
+                                          </p:spTgt>
+                                        </p:tgtEl>
+                                        <p:attrNameLst>
+                                          <p:attrName>ppt_x</p:attrName>
+                                        </p:attrNameLst>
+                                      </p:cBhvr>
+                                      <p:tavLst>
+                                        <p:tav tm="0">
+                                          <p:val>
+                                            <p:strVal val="#ppt_x"/>
+                                          </p:val>
+                                        </p:tav>
+                                        <p:tav tm="100000">
+                                          <p:val>
+                                            <p:strVal val="#ppt_x"/>
+                                          </p:val>
+                                        </p:tav>
+                                      </p:tavLst>
+                                    </p:anim>
+                                    <p:anim calcmode="lin" valueType="num">
+                                      <p:cBhvr>
+                                        <p:cTn id="44" dur="1000" fill="hold"/>
+                                        <p:tgtEl>
+                                          <p:spTgt spid="5">
+                                            <p:txEl>
+                                              <p:pRg st="7" end="7"/>
+                                            </p:txEl>
+                                          </p:spTgt>
+                                        </p:tgtEl>
+                                        <p:attrNameLst>
+                                          <p:attrName>ppt_y</p:attrName>
+                                        </p:attrNameLst>
+                                      </p:cBhvr>
+                                      <p:tavLst>
+                                        <p:tav tm="0">
+                                          <p:val>
+                                            <p:strVal val="#ppt_y+.1"/>
+                                          </p:val>
+                                        </p:tav>
+                                        <p:tav tm="100000">
+                                          <p:val>
+                                            <p:strVal val="#ppt_y"/>
+                                          </p:val>
+                                        </p:tav>
+                                      </p:tavLst>
+                                    </p:anim>
+                                  </p:childTnLst>
+                                </p:cTn>
+                              </p:par>
+                            </p:childTnLst>
+                          </p:cTn>
+                        </p:par>
+                      </p:childTnLst>
+                    </p:cTn>
+                  </p:par>
+                </p:childTnLst>
+              </p:cTn>
+              <p:prevCondLst>
+                <p:cond evt="onPrev" delay="0">
+                  <p:tgtEl>
+                    <p:sldTgt/>
+                  </p:tgtEl>
+                </p:cond>
+              </p:prevCondLst>
+              <p:nextCondLst>
+                <p:cond evt="onNext" delay="0">
+                  <p:tgtEl>
+                    <p:sldTgt/>
+                  </p:tgtEl>
+                </p:cond>
+              </p:nextCondLst>
+            </p:seq>
+          </p:childTnLst>
+        </p:cTn>
+      </p:par>
+    </p:tnLst>
+    <p:bldLst>
+      <p:bldP spid="5" grpId="0" build="p"/>
+    </p:bldLst>
+  </p:timing>
+</p:sld>
+</file>
+
+<file path=ppt/slides/slide23.xml><?xml version="1.0" encoding="utf-8"?>
+<p:sld xmlns:a="http://schemas.openxmlformats.org/drawingml/2006/main" xmlns:r="http://schemas.openxmlformats.org/officeDocument/2006/relationships" xmlns:p="http://schemas.openxmlformats.org/presentationml/2006/main">
+  <p:cSld>
+    <p:spTree>
+      <p:nvGrpSpPr>
+        <p:cNvPr id="1" name="">
+          <a:extLst>
+            <a:ext uri="{FF2B5EF4-FFF2-40B4-BE49-F238E27FC236}">
+              <a16:creationId xmlns:a16="http://schemas.microsoft.com/office/drawing/2014/main" id="{A5FCF3DA-CDC5-7ED8-8725-6A515FE717B5}"/>
+            </a:ext>
+          </a:extLst>
+        </p:cNvPr>
+        <p:cNvGrpSpPr/>
+        <p:nvPr/>
+      </p:nvGrpSpPr>
+      <p:grpSpPr>
+        <a:xfrm>
+          <a:off x="0" y="0"/>
+          <a:ext cx="0" cy="0"/>
+          <a:chOff x="0" y="0"/>
+          <a:chExt cx="0" cy="0"/>
+        </a:xfrm>
+      </p:grpSpPr>
+      <p:sp>
+        <p:nvSpPr>
+          <p:cNvPr id="8" name="TextBox 9">
+            <a:extLst>
+              <a:ext uri="{FF2B5EF4-FFF2-40B4-BE49-F238E27FC236}">
+                <a16:creationId xmlns:a16="http://schemas.microsoft.com/office/drawing/2014/main" id="{CAAFE391-730B-B5F4-74EC-301451F86FD4}"/>
+              </a:ext>
+            </a:extLst>
+          </p:cNvPr>
+          <p:cNvSpPr txBox="1"/>
+          <p:nvPr/>
+        </p:nvSpPr>
+        <p:spPr>
+          <a:xfrm>
+            <a:off x="1143000" y="495300"/>
+            <a:ext cx="12413131" cy="897682"/>
+          </a:xfrm>
+          <a:prstGeom prst="rect">
+            <a:avLst/>
+          </a:prstGeom>
+        </p:spPr>
+        <p:txBody>
+          <a:bodyPr wrap="square" lIns="0" tIns="0" rIns="0" bIns="0" rtlCol="0" anchor="t">
+            <a:spAutoFit/>
+          </a:bodyPr>
+          <a:lstStyle/>
+          <a:p>
+            <a:pPr algn="l">
+              <a:lnSpc>
+                <a:spcPts val="7000"/>
+              </a:lnSpc>
+            </a:pPr>
+            <a:r>
+              <a:rPr lang="en-US" sz="6000" b="1" spc="-100" dirty="0">
+                <a:solidFill>
+                  <a:srgbClr val="2E2E2E"/>
+                </a:solidFill>
+                <a:latin typeface="+mj-lt"/>
+                <a:ea typeface="Lato Bold"/>
+                <a:cs typeface="Lato Bold"/>
+                <a:sym typeface="Lato Bold"/>
+              </a:rPr>
+              <a:t>Passing Data To Functions</a:t>
+            </a:r>
+          </a:p>
+        </p:txBody>
+      </p:sp>
+      <p:sp>
+        <p:nvSpPr>
+          <p:cNvPr id="5" name="TextBox 4">
+            <a:extLst>
+              <a:ext uri="{FF2B5EF4-FFF2-40B4-BE49-F238E27FC236}">
+                <a16:creationId xmlns:a16="http://schemas.microsoft.com/office/drawing/2014/main" id="{455CD5B2-FB3C-C682-4796-18844A398455}"/>
+              </a:ext>
+            </a:extLst>
+          </p:cNvPr>
+          <p:cNvSpPr txBox="1"/>
+          <p:nvPr/>
+        </p:nvSpPr>
+        <p:spPr>
+          <a:xfrm>
+            <a:off x="1143000" y="1638300"/>
+            <a:ext cx="16078200" cy="4062651"/>
+          </a:xfrm>
+          <a:prstGeom prst="rect">
+            <a:avLst/>
+          </a:prstGeom>
+        </p:spPr>
+        <p:txBody>
+          <a:bodyPr wrap="square" lIns="0" tIns="0" rIns="0" bIns="0" rtlCol="0" anchor="t">
+            <a:spAutoFit/>
+          </a:bodyPr>
+          <a:lstStyle/>
+          <a:p>
+            <a:r>
+              <a:rPr lang="en-US" sz="4400" b="1" dirty="0"/>
+              <a:t>Call by Value</a:t>
+            </a:r>
+            <a:br>
+              <a:rPr lang="en-US" sz="4400" b="1" dirty="0"/>
+            </a:br>
+            <a:r>
+              <a:rPr lang="en-US" sz="4400" b="1" dirty="0"/>
+              <a:t>	</a:t>
+            </a:r>
+            <a:r>
+              <a:rPr lang="en-US" sz="4400" dirty="0"/>
+              <a:t>Function gets a copy</a:t>
+            </a:r>
+          </a:p>
+          <a:p>
+            <a:r>
+              <a:rPr lang="en-US" sz="4400" b="1" dirty="0"/>
+              <a:t>	Key Point</a:t>
+            </a:r>
+            <a:r>
+              <a:rPr lang="en-US" sz="4400" dirty="0"/>
+              <a:t>: Changes inside the function don’t affect the original.</a:t>
+            </a:r>
+            <a:br>
+              <a:rPr lang="en-US" sz="4400" dirty="0"/>
+            </a:br>
+            <a:br>
+              <a:rPr lang="en-US" sz="4400" dirty="0"/>
+            </a:br>
+            <a:r>
+              <a:rPr lang="en-US" sz="4400" b="1" dirty="0">
+                <a:solidFill>
+                  <a:srgbClr val="FF0000"/>
+                </a:solidFill>
+              </a:rPr>
+              <a:t>Use Case</a:t>
+            </a:r>
+            <a:r>
+              <a:rPr lang="en-US" sz="4400" dirty="0">
+                <a:solidFill>
+                  <a:srgbClr val="FF0000"/>
+                </a:solidFill>
+              </a:rPr>
+              <a:t>: </a:t>
+            </a:r>
+            <a:br>
+              <a:rPr lang="en-US" sz="4400" dirty="0">
+                <a:solidFill>
+                  <a:srgbClr val="FF0000"/>
+                </a:solidFill>
+              </a:rPr>
+            </a:br>
+            <a:r>
+              <a:rPr lang="en-US" sz="4400" dirty="0">
+                <a:solidFill>
+                  <a:srgbClr val="FF0000"/>
+                </a:solidFill>
+              </a:rPr>
+              <a:t>Protect original data</a:t>
+            </a:r>
+          </a:p>
+        </p:txBody>
+      </p:sp>
+      <p:pic>
+        <p:nvPicPr>
+          <p:cNvPr id="3" name="Picture 2">
+            <a:extLst>
+              <a:ext uri="{FF2B5EF4-FFF2-40B4-BE49-F238E27FC236}">
+                <a16:creationId xmlns:a16="http://schemas.microsoft.com/office/drawing/2014/main" id="{C5C169CD-B297-0E1F-6C59-34CF2C1C631F}"/>
+              </a:ext>
+            </a:extLst>
+          </p:cNvPr>
+          <p:cNvPicPr>
+            <a:picLocks noChangeAspect="1"/>
+          </p:cNvPicPr>
+          <p:nvPr/>
+        </p:nvPicPr>
+        <p:blipFill>
+          <a:blip r:embed="rId3"/>
+          <a:stretch>
+            <a:fillRect/>
+          </a:stretch>
+        </p:blipFill>
+        <p:spPr>
+          <a:xfrm>
+            <a:off x="7334325" y="3714994"/>
+            <a:ext cx="9342120" cy="6579238"/>
+          </a:xfrm>
+          <a:prstGeom prst="rect">
+            <a:avLst/>
+          </a:prstGeom>
+          <a:ln>
+            <a:noFill/>
+          </a:ln>
+          <a:effectLst>
+            <a:softEdge rad="112500"/>
+          </a:effectLst>
+        </p:spPr>
+      </p:pic>
+    </p:spTree>
+    <p:extLst>
+      <p:ext uri="{BB962C8B-B14F-4D97-AF65-F5344CB8AC3E}">
+        <p14:creationId xmlns:p14="http://schemas.microsoft.com/office/powerpoint/2010/main" val="1013351121"/>
+      </p:ext>
+    </p:extLst>
+  </p:cSld>
+  <p:clrMapOvr>
+    <a:masterClrMapping/>
+  </p:clrMapOvr>
+  <p:timing>
+    <p:tnLst>
+      <p:par>
+        <p:cTn id="1" dur="indefinite" restart="never" nodeType="tmRoot">
+          <p:childTnLst>
+            <p:seq concurrent="1" nextAc="seek">
+              <p:cTn id="2" dur="indefinite" nodeType="mainSeq">
+                <p:childTnLst>
+                  <p:par>
+                    <p:cTn id="3" fill="hold">
+                      <p:stCondLst>
+                        <p:cond delay="indefinite"/>
+                      </p:stCondLst>
+                      <p:childTnLst>
+                        <p:par>
+                          <p:cTn id="4" fill="hold">
+                            <p:stCondLst>
+                              <p:cond delay="0"/>
+                            </p:stCondLst>
+                            <p:childTnLst>
+                              <p:par>
+                                <p:cTn id="5" presetID="42" presetClass="entr" presetSubtype="0" fill="hold" grpId="0" nodeType="clickEffect">
+                                  <p:stCondLst>
+                                    <p:cond delay="0"/>
+                                  </p:stCondLst>
+                                  <p:childTnLst>
+                                    <p:set>
+                                      <p:cBhvr>
+                                        <p:cTn id="6" dur="1" fill="hold">
+                                          <p:stCondLst>
+                                            <p:cond delay="0"/>
+                                          </p:stCondLst>
+                                        </p:cTn>
+                                        <p:tgtEl>
+                                          <p:spTgt spid="5">
+                                            <p:txEl>
+                                              <p:pRg st="0" end="0"/>
+                                            </p:txEl>
+                                          </p:spTgt>
+                                        </p:tgtEl>
+                                        <p:attrNameLst>
+                                          <p:attrName>style.visibility</p:attrName>
+                                        </p:attrNameLst>
+                                      </p:cBhvr>
+                                      <p:to>
+                                        <p:strVal val="visible"/>
+                                      </p:to>
+                                    </p:set>
+                                    <p:animEffect transition="in" filter="fade">
+                                      <p:cBhvr>
+                                        <p:cTn id="7" dur="1000"/>
+                                        <p:tgtEl>
+                                          <p:spTgt spid="5">
+                                            <p:txEl>
+                                              <p:pRg st="0" end="0"/>
+                                            </p:txEl>
+                                          </p:spTgt>
+                                        </p:tgtEl>
+                                      </p:cBhvr>
+                                    </p:animEffect>
+                                    <p:anim calcmode="lin" valueType="num">
+                                      <p:cBhvr>
+                                        <p:cTn id="8" dur="1000" fill="hold"/>
+                                        <p:tgtEl>
+                                          <p:spTgt spid="5">
+                                            <p:txEl>
+                                              <p:pRg st="0" end="0"/>
+                                            </p:txEl>
+                                          </p:spTgt>
+                                        </p:tgtEl>
+                                        <p:attrNameLst>
+                                          <p:attrName>ppt_x</p:attrName>
+                                        </p:attrNameLst>
+                                      </p:cBhvr>
+                                      <p:tavLst>
+                                        <p:tav tm="0">
+                                          <p:val>
+                                            <p:strVal val="#ppt_x"/>
+                                          </p:val>
+                                        </p:tav>
+                                        <p:tav tm="100000">
+                                          <p:val>
+                                            <p:strVal val="#ppt_x"/>
+                                          </p:val>
+                                        </p:tav>
+                                      </p:tavLst>
+                                    </p:anim>
+                                    <p:anim calcmode="lin" valueType="num">
+                                      <p:cBhvr>
+                                        <p:cTn id="9" dur="1000" fill="hold"/>
+                                        <p:tgtEl>
+                                          <p:spTgt spid="5">
+                                            <p:txEl>
+                                              <p:pRg st="0" end="0"/>
+                                            </p:txEl>
+                                          </p:spTgt>
+                                        </p:tgtEl>
+                                        <p:attrNameLst>
+                                          <p:attrName>ppt_y</p:attrName>
+                                        </p:attrNameLst>
+                                      </p:cBhvr>
+                                      <p:tavLst>
+                                        <p:tav tm="0">
+                                          <p:val>
+                                            <p:strVal val="#ppt_y+.1"/>
+                                          </p:val>
+                                        </p:tav>
+                                        <p:tav tm="100000">
+                                          <p:val>
+                                            <p:strVal val="#ppt_y"/>
+                                          </p:val>
+                                        </p:tav>
+                                      </p:tavLst>
+                                    </p:anim>
+                                  </p:childTnLst>
+                                </p:cTn>
+                              </p:par>
+                            </p:childTnLst>
+                          </p:cTn>
+                        </p:par>
+                      </p:childTnLst>
+                    </p:cTn>
+                  </p:par>
+                  <p:par>
+                    <p:cTn id="10" fill="hold">
+                      <p:stCondLst>
+                        <p:cond delay="indefinite"/>
+                      </p:stCondLst>
+                      <p:childTnLst>
+                        <p:par>
+                          <p:cTn id="11" fill="hold">
+                            <p:stCondLst>
+                              <p:cond delay="0"/>
+                            </p:stCondLst>
+                            <p:childTnLst>
+                              <p:par>
+                                <p:cTn id="12" presetID="42" presetClass="entr" presetSubtype="0" fill="hold" grpId="0" nodeType="clickEffect">
+                                  <p:stCondLst>
+                                    <p:cond delay="0"/>
+                                  </p:stCondLst>
+                                  <p:childTnLst>
+                                    <p:set>
+                                      <p:cBhvr>
+                                        <p:cTn id="13" dur="1" fill="hold">
+                                          <p:stCondLst>
+                                            <p:cond delay="0"/>
+                                          </p:stCondLst>
+                                        </p:cTn>
+                                        <p:tgtEl>
+                                          <p:spTgt spid="5">
+                                            <p:txEl>
+                                              <p:pRg st="1" end="1"/>
+                                            </p:txEl>
+                                          </p:spTgt>
+                                        </p:tgtEl>
+                                        <p:attrNameLst>
+                                          <p:attrName>style.visibility</p:attrName>
+                                        </p:attrNameLst>
+                                      </p:cBhvr>
+                                      <p:to>
+                                        <p:strVal val="visible"/>
+                                      </p:to>
+                                    </p:set>
+                                    <p:animEffect transition="in" filter="fade">
+                                      <p:cBhvr>
+                                        <p:cTn id="14" dur="1000"/>
+                                        <p:tgtEl>
+                                          <p:spTgt spid="5">
+                                            <p:txEl>
+                                              <p:pRg st="1" end="1"/>
+                                            </p:txEl>
+                                          </p:spTgt>
+                                        </p:tgtEl>
+                                      </p:cBhvr>
+                                    </p:animEffect>
+                                    <p:anim calcmode="lin" valueType="num">
+                                      <p:cBhvr>
+                                        <p:cTn id="15" dur="1000" fill="hold"/>
+                                        <p:tgtEl>
+                                          <p:spTgt spid="5">
+                                            <p:txEl>
+                                              <p:pRg st="1" end="1"/>
+                                            </p:txEl>
+                                          </p:spTgt>
+                                        </p:tgtEl>
+                                        <p:attrNameLst>
+                                          <p:attrName>ppt_x</p:attrName>
+                                        </p:attrNameLst>
+                                      </p:cBhvr>
+                                      <p:tavLst>
+                                        <p:tav tm="0">
+                                          <p:val>
+                                            <p:strVal val="#ppt_x"/>
+                                          </p:val>
+                                        </p:tav>
+                                        <p:tav tm="100000">
+                                          <p:val>
+                                            <p:strVal val="#ppt_x"/>
+                                          </p:val>
+                                        </p:tav>
+                                      </p:tavLst>
+                                    </p:anim>
+                                    <p:anim calcmode="lin" valueType="num">
+                                      <p:cBhvr>
+                                        <p:cTn id="16" dur="1000" fill="hold"/>
+                                        <p:tgtEl>
+                                          <p:spTgt spid="5">
+                                            <p:txEl>
+                                              <p:pRg st="1" end="1"/>
+                                            </p:txEl>
+                                          </p:spTgt>
+                                        </p:tgtEl>
+                                        <p:attrNameLst>
+                                          <p:attrName>ppt_y</p:attrName>
+                                        </p:attrNameLst>
+                                      </p:cBhvr>
+                                      <p:tavLst>
+                                        <p:tav tm="0">
+                                          <p:val>
+                                            <p:strVal val="#ppt_y+.1"/>
+                                          </p:val>
+                                        </p:tav>
+                                        <p:tav tm="100000">
+                                          <p:val>
+                                            <p:strVal val="#ppt_y"/>
+                                          </p:val>
+                                        </p:tav>
+                                      </p:tavLst>
+                                    </p:anim>
+                                  </p:childTnLst>
+                                </p:cTn>
+                              </p:par>
+                            </p:childTnLst>
+                          </p:cTn>
+                        </p:par>
+                      </p:childTnLst>
+                    </p:cTn>
+                  </p:par>
+                  <p:par>
+                    <p:cTn id="17" fill="hold">
+                      <p:stCondLst>
+                        <p:cond delay="indefinite"/>
+                      </p:stCondLst>
+                      <p:childTnLst>
+                        <p:par>
+                          <p:cTn id="18" fill="hold">
+                            <p:stCondLst>
+                              <p:cond delay="0"/>
+                            </p:stCondLst>
+                            <p:childTnLst>
+                              <p:par>
+                                <p:cTn id="19" presetID="42" presetClass="entr" presetSubtype="0" fill="hold" nodeType="clickEffect">
+                                  <p:stCondLst>
+                                    <p:cond delay="0"/>
+                                  </p:stCondLst>
+                                  <p:childTnLst>
+                                    <p:set>
+                                      <p:cBhvr>
+                                        <p:cTn id="20" dur="1" fill="hold">
+                                          <p:stCondLst>
+                                            <p:cond delay="0"/>
+                                          </p:stCondLst>
+                                        </p:cTn>
+                                        <p:tgtEl>
+                                          <p:spTgt spid="3"/>
+                                        </p:tgtEl>
+                                        <p:attrNameLst>
+                                          <p:attrName>style.visibility</p:attrName>
+                                        </p:attrNameLst>
+                                      </p:cBhvr>
+                                      <p:to>
+                                        <p:strVal val="visible"/>
+                                      </p:to>
+                                    </p:set>
+                                    <p:animEffect transition="in" filter="fade">
+                                      <p:cBhvr>
+                                        <p:cTn id="21" dur="1000"/>
+                                        <p:tgtEl>
+                                          <p:spTgt spid="3"/>
+                                        </p:tgtEl>
+                                      </p:cBhvr>
+                                    </p:animEffect>
+                                    <p:anim calcmode="lin" valueType="num">
+                                      <p:cBhvr>
+                                        <p:cTn id="22" dur="1000" fill="hold"/>
+                                        <p:tgtEl>
+                                          <p:spTgt spid="3"/>
+                                        </p:tgtEl>
+                                        <p:attrNameLst>
+                                          <p:attrName>ppt_x</p:attrName>
+                                        </p:attrNameLst>
+                                      </p:cBhvr>
+                                      <p:tavLst>
+                                        <p:tav tm="0">
+                                          <p:val>
+                                            <p:strVal val="#ppt_x"/>
+                                          </p:val>
+                                        </p:tav>
+                                        <p:tav tm="100000">
+                                          <p:val>
+                                            <p:strVal val="#ppt_x"/>
+                                          </p:val>
+                                        </p:tav>
+                                      </p:tavLst>
+                                    </p:anim>
+                                    <p:anim calcmode="lin" valueType="num">
+                                      <p:cBhvr>
+                                        <p:cTn id="23" dur="1000" fill="hold"/>
+                                        <p:tgtEl>
+                                          <p:spTgt spid="3"/>
+                                        </p:tgtEl>
+                                        <p:attrNameLst>
+                                          <p:attrName>ppt_y</p:attrName>
+                                        </p:attrNameLst>
+                                      </p:cBhvr>
+                                      <p:tavLst>
+                                        <p:tav tm="0">
+                                          <p:val>
+                                            <p:strVal val="#ppt_y+.1"/>
+                                          </p:val>
+                                        </p:tav>
+                                        <p:tav tm="100000">
+                                          <p:val>
+                                            <p:strVal val="#ppt_y"/>
+                                          </p:val>
+                                        </p:tav>
+                                      </p:tavLst>
+                                    </p:anim>
+                                  </p:childTnLst>
+                                </p:cTn>
+                              </p:par>
+                            </p:childTnLst>
+                          </p:cTn>
+                        </p:par>
+                      </p:childTnLst>
+                    </p:cTn>
+                  </p:par>
+                </p:childTnLst>
+              </p:cTn>
+              <p:prevCondLst>
+                <p:cond evt="onPrev" delay="0">
+                  <p:tgtEl>
+                    <p:sldTgt/>
+                  </p:tgtEl>
+                </p:cond>
+              </p:prevCondLst>
+              <p:nextCondLst>
+                <p:cond evt="onNext" delay="0">
+                  <p:tgtEl>
+                    <p:sldTgt/>
+                  </p:tgtEl>
+                </p:cond>
+              </p:nextCondLst>
+            </p:seq>
+          </p:childTnLst>
+        </p:cTn>
+      </p:par>
+    </p:tnLst>
+    <p:bldLst>
+      <p:bldP spid="5" grpId="0" build="p"/>
+    </p:bldLst>
+  </p:timing>
+</p:sld>
+</file>
+
+<file path=ppt/slides/slide24.xml><?xml version="1.0" encoding="utf-8"?>
+<p:sld xmlns:a="http://schemas.openxmlformats.org/drawingml/2006/main" xmlns:r="http://schemas.openxmlformats.org/officeDocument/2006/relationships" xmlns:p="http://schemas.openxmlformats.org/presentationml/2006/main">
+  <p:cSld>
+    <p:spTree>
+      <p:nvGrpSpPr>
+        <p:cNvPr id="1" name="">
+          <a:extLst>
+            <a:ext uri="{FF2B5EF4-FFF2-40B4-BE49-F238E27FC236}">
+              <a16:creationId xmlns:a16="http://schemas.microsoft.com/office/drawing/2014/main" id="{934E9177-CE71-861B-8718-A06F989E0D20}"/>
+            </a:ext>
+          </a:extLst>
+        </p:cNvPr>
+        <p:cNvGrpSpPr/>
+        <p:nvPr/>
+      </p:nvGrpSpPr>
+      <p:grpSpPr>
+        <a:xfrm>
+          <a:off x="0" y="0"/>
+          <a:ext cx="0" cy="0"/>
+          <a:chOff x="0" y="0"/>
+          <a:chExt cx="0" cy="0"/>
+        </a:xfrm>
+      </p:grpSpPr>
+      <p:sp>
+        <p:nvSpPr>
+          <p:cNvPr id="8" name="TextBox 9">
+            <a:extLst>
+              <a:ext uri="{FF2B5EF4-FFF2-40B4-BE49-F238E27FC236}">
+                <a16:creationId xmlns:a16="http://schemas.microsoft.com/office/drawing/2014/main" id="{139E27CA-27A2-425C-6225-65321733554C}"/>
+              </a:ext>
+            </a:extLst>
+          </p:cNvPr>
+          <p:cNvSpPr txBox="1"/>
+          <p:nvPr/>
+        </p:nvSpPr>
+        <p:spPr>
+          <a:xfrm>
+            <a:off x="1143000" y="495300"/>
+            <a:ext cx="12413131" cy="897682"/>
+          </a:xfrm>
+          <a:prstGeom prst="rect">
+            <a:avLst/>
+          </a:prstGeom>
+        </p:spPr>
+        <p:txBody>
+          <a:bodyPr wrap="square" lIns="0" tIns="0" rIns="0" bIns="0" rtlCol="0" anchor="t">
+            <a:spAutoFit/>
+          </a:bodyPr>
+          <a:lstStyle/>
+          <a:p>
+            <a:pPr algn="l">
+              <a:lnSpc>
+                <a:spcPts val="7000"/>
+              </a:lnSpc>
+            </a:pPr>
+            <a:r>
+              <a:rPr lang="en-US" sz="6000" b="1" spc="-100" dirty="0">
+                <a:solidFill>
+                  <a:srgbClr val="2E2E2E"/>
+                </a:solidFill>
+                <a:latin typeface="+mj-lt"/>
+                <a:ea typeface="Lato Bold"/>
+                <a:cs typeface="Lato Bold"/>
+                <a:sym typeface="Lato Bold"/>
+              </a:rPr>
+              <a:t>Passing Data To Functions</a:t>
+            </a:r>
+          </a:p>
+        </p:txBody>
+      </p:sp>
+      <p:sp>
+        <p:nvSpPr>
+          <p:cNvPr id="5" name="TextBox 4">
+            <a:extLst>
+              <a:ext uri="{FF2B5EF4-FFF2-40B4-BE49-F238E27FC236}">
+                <a16:creationId xmlns:a16="http://schemas.microsoft.com/office/drawing/2014/main" id="{34A8C9A4-BB32-257A-10BA-4A1646B13CFE}"/>
+              </a:ext>
+            </a:extLst>
+          </p:cNvPr>
+          <p:cNvSpPr txBox="1"/>
+          <p:nvPr/>
+        </p:nvSpPr>
+        <p:spPr>
+          <a:xfrm>
+            <a:off x="1143000" y="1638300"/>
+            <a:ext cx="16078200" cy="4493538"/>
+          </a:xfrm>
+          <a:prstGeom prst="rect">
+            <a:avLst/>
+          </a:prstGeom>
+        </p:spPr>
+        <p:txBody>
+          <a:bodyPr wrap="square" lIns="0" tIns="0" rIns="0" bIns="0" rtlCol="0" anchor="t">
+            <a:spAutoFit/>
+          </a:bodyPr>
+          <a:lstStyle/>
+          <a:p>
+            <a:r>
+              <a:rPr lang="en-US" sz="4400" b="1" dirty="0"/>
+              <a:t>Call by Reference</a:t>
+            </a:r>
+            <a:br>
+              <a:rPr lang="en-US" sz="4400" b="1" dirty="0"/>
+            </a:br>
+            <a:r>
+              <a:rPr lang="en-US" sz="4400" b="1" dirty="0"/>
+              <a:t>	</a:t>
+            </a:r>
+            <a:r>
+              <a:rPr lang="en-US" sz="4400" dirty="0"/>
+              <a:t>Function gets a reference (or pointer) to the variable.</a:t>
+            </a:r>
+          </a:p>
+          <a:p>
+            <a:r>
+              <a:rPr lang="en-US" sz="4400" b="1" dirty="0"/>
+              <a:t>	Key Point</a:t>
+            </a:r>
+            <a:r>
+              <a:rPr lang="en-US" sz="4400" dirty="0"/>
+              <a:t>: Changes </a:t>
+            </a:r>
+            <a:r>
+              <a:rPr lang="en-US" sz="4400" i="1" dirty="0"/>
+              <a:t>do</a:t>
+            </a:r>
+            <a:r>
+              <a:rPr lang="en-US" sz="4400" dirty="0"/>
+              <a:t> affect the original.</a:t>
+            </a:r>
+            <a:br>
+              <a:rPr lang="en-US" sz="4400" dirty="0"/>
+            </a:br>
+            <a:br>
+              <a:rPr lang="en-US" sz="4400" dirty="0"/>
+            </a:br>
+            <a:br>
+              <a:rPr lang="en-US" sz="4400" dirty="0"/>
+            </a:br>
+            <a:r>
+              <a:rPr lang="en-US" sz="4400" dirty="0">
+                <a:solidFill>
+                  <a:srgbClr val="FF0000"/>
+                </a:solidFill>
+              </a:rPr>
+              <a:t>Pointers work too</a:t>
+            </a:r>
+            <a:br>
+              <a:rPr lang="en-US" sz="4400" dirty="0">
+                <a:solidFill>
+                  <a:srgbClr val="FF0000"/>
+                </a:solidFill>
+              </a:rPr>
+            </a:br>
+            <a:r>
+              <a:rPr lang="en-US" sz="2800" dirty="0">
+                <a:solidFill>
+                  <a:schemeClr val="tx2">
+                    <a:lumMod val="60000"/>
+                    <a:lumOff val="40000"/>
+                  </a:schemeClr>
+                </a:solidFill>
+              </a:rPr>
+              <a:t>(Will cover that in last lecture)</a:t>
+            </a:r>
+          </a:p>
+        </p:txBody>
+      </p:sp>
+      <p:pic>
+        <p:nvPicPr>
+          <p:cNvPr id="4" name="Picture 3">
+            <a:extLst>
+              <a:ext uri="{FF2B5EF4-FFF2-40B4-BE49-F238E27FC236}">
+                <a16:creationId xmlns:a16="http://schemas.microsoft.com/office/drawing/2014/main" id="{20EC671F-EA4F-536C-3D90-0478A1FFED49}"/>
+              </a:ext>
+            </a:extLst>
+          </p:cNvPr>
+          <p:cNvPicPr>
+            <a:picLocks noChangeAspect="1"/>
+          </p:cNvPicPr>
+          <p:nvPr/>
+        </p:nvPicPr>
+        <p:blipFill>
+          <a:blip r:embed="rId3"/>
+          <a:stretch>
+            <a:fillRect/>
+          </a:stretch>
+        </p:blipFill>
+        <p:spPr>
+          <a:xfrm>
+            <a:off x="5486400" y="3914944"/>
+            <a:ext cx="11002058" cy="6006132"/>
+          </a:xfrm>
+          <a:prstGeom prst="rect">
+            <a:avLst/>
+          </a:prstGeom>
+          <a:ln>
+            <a:noFill/>
+          </a:ln>
+          <a:effectLst>
+            <a:softEdge rad="112500"/>
+          </a:effectLst>
+        </p:spPr>
+      </p:pic>
+    </p:spTree>
+    <p:extLst>
+      <p:ext uri="{BB962C8B-B14F-4D97-AF65-F5344CB8AC3E}">
+        <p14:creationId xmlns:p14="http://schemas.microsoft.com/office/powerpoint/2010/main" val="2224237590"/>
+      </p:ext>
+    </p:extLst>
+  </p:cSld>
+  <p:clrMapOvr>
+    <a:masterClrMapping/>
+  </p:clrMapOvr>
+  <p:timing>
+    <p:tnLst>
+      <p:par>
+        <p:cTn id="1" dur="indefinite" restart="never" nodeType="tmRoot">
+          <p:childTnLst>
+            <p:seq concurrent="1" nextAc="seek">
+              <p:cTn id="2" dur="indefinite" nodeType="mainSeq">
+                <p:childTnLst>
+                  <p:par>
+                    <p:cTn id="3" fill="hold">
+                      <p:stCondLst>
+                        <p:cond delay="indefinite"/>
+                      </p:stCondLst>
+                      <p:childTnLst>
+                        <p:par>
+                          <p:cTn id="4" fill="hold">
+                            <p:stCondLst>
+                              <p:cond delay="0"/>
+                            </p:stCondLst>
+                            <p:childTnLst>
+                              <p:par>
+                                <p:cTn id="5" presetID="42" presetClass="entr" presetSubtype="0" fill="hold" grpId="0" nodeType="clickEffect">
+                                  <p:stCondLst>
+                                    <p:cond delay="0"/>
+                                  </p:stCondLst>
+                                  <p:childTnLst>
+                                    <p:set>
+                                      <p:cBhvr>
+                                        <p:cTn id="6" dur="1" fill="hold">
+                                          <p:stCondLst>
+                                            <p:cond delay="0"/>
+                                          </p:stCondLst>
+                                        </p:cTn>
+                                        <p:tgtEl>
+                                          <p:spTgt spid="5">
+                                            <p:txEl>
+                                              <p:pRg st="0" end="0"/>
+                                            </p:txEl>
+                                          </p:spTgt>
+                                        </p:tgtEl>
+                                        <p:attrNameLst>
+                                          <p:attrName>style.visibility</p:attrName>
+                                        </p:attrNameLst>
+                                      </p:cBhvr>
+                                      <p:to>
+                                        <p:strVal val="visible"/>
+                                      </p:to>
+                                    </p:set>
+                                    <p:animEffect transition="in" filter="fade">
+                                      <p:cBhvr>
+                                        <p:cTn id="7" dur="1000"/>
+                                        <p:tgtEl>
+                                          <p:spTgt spid="5">
+                                            <p:txEl>
+                                              <p:pRg st="0" end="0"/>
+                                            </p:txEl>
+                                          </p:spTgt>
+                                        </p:tgtEl>
+                                      </p:cBhvr>
+                                    </p:animEffect>
+                                    <p:anim calcmode="lin" valueType="num">
+                                      <p:cBhvr>
+                                        <p:cTn id="8" dur="1000" fill="hold"/>
+                                        <p:tgtEl>
+                                          <p:spTgt spid="5">
+                                            <p:txEl>
+                                              <p:pRg st="0" end="0"/>
+                                            </p:txEl>
+                                          </p:spTgt>
+                                        </p:tgtEl>
+                                        <p:attrNameLst>
+                                          <p:attrName>ppt_x</p:attrName>
+                                        </p:attrNameLst>
+                                      </p:cBhvr>
+                                      <p:tavLst>
+                                        <p:tav tm="0">
+                                          <p:val>
+                                            <p:strVal val="#ppt_x"/>
+                                          </p:val>
+                                        </p:tav>
+                                        <p:tav tm="100000">
+                                          <p:val>
+                                            <p:strVal val="#ppt_x"/>
+                                          </p:val>
+                                        </p:tav>
+                                      </p:tavLst>
+                                    </p:anim>
+                                    <p:anim calcmode="lin" valueType="num">
+                                      <p:cBhvr>
+                                        <p:cTn id="9" dur="1000" fill="hold"/>
+                                        <p:tgtEl>
+                                          <p:spTgt spid="5">
+                                            <p:txEl>
+                                              <p:pRg st="0" end="0"/>
+                                            </p:txEl>
+                                          </p:spTgt>
+                                        </p:tgtEl>
+                                        <p:attrNameLst>
+                                          <p:attrName>ppt_y</p:attrName>
+                                        </p:attrNameLst>
+                                      </p:cBhvr>
+                                      <p:tavLst>
+                                        <p:tav tm="0">
+                                          <p:val>
+                                            <p:strVal val="#ppt_y+.1"/>
+                                          </p:val>
+                                        </p:tav>
+                                        <p:tav tm="100000">
+                                          <p:val>
+                                            <p:strVal val="#ppt_y"/>
+                                          </p:val>
+                                        </p:tav>
+                                      </p:tavLst>
+                                    </p:anim>
+                                  </p:childTnLst>
+                                </p:cTn>
+                              </p:par>
+                            </p:childTnLst>
+                          </p:cTn>
+                        </p:par>
+                      </p:childTnLst>
+                    </p:cTn>
+                  </p:par>
+                  <p:par>
+                    <p:cTn id="10" fill="hold">
+                      <p:stCondLst>
+                        <p:cond delay="indefinite"/>
+                      </p:stCondLst>
+                      <p:childTnLst>
+                        <p:par>
+                          <p:cTn id="11" fill="hold">
+                            <p:stCondLst>
+                              <p:cond delay="0"/>
+                            </p:stCondLst>
+                            <p:childTnLst>
+                              <p:par>
+                                <p:cTn id="12" presetID="42" presetClass="entr" presetSubtype="0" fill="hold" grpId="0" nodeType="clickEffect">
+                                  <p:stCondLst>
+                                    <p:cond delay="0"/>
+                                  </p:stCondLst>
+                                  <p:childTnLst>
+                                    <p:set>
+                                      <p:cBhvr>
+                                        <p:cTn id="13" dur="1" fill="hold">
+                                          <p:stCondLst>
+                                            <p:cond delay="0"/>
+                                          </p:stCondLst>
+                                        </p:cTn>
+                                        <p:tgtEl>
+                                          <p:spTgt spid="5">
+                                            <p:txEl>
+                                              <p:pRg st="1" end="1"/>
+                                            </p:txEl>
+                                          </p:spTgt>
+                                        </p:tgtEl>
+                                        <p:attrNameLst>
+                                          <p:attrName>style.visibility</p:attrName>
+                                        </p:attrNameLst>
+                                      </p:cBhvr>
+                                      <p:to>
+                                        <p:strVal val="visible"/>
+                                      </p:to>
+                                    </p:set>
+                                    <p:animEffect transition="in" filter="fade">
+                                      <p:cBhvr>
+                                        <p:cTn id="14" dur="1000"/>
+                                        <p:tgtEl>
+                                          <p:spTgt spid="5">
+                                            <p:txEl>
+                                              <p:pRg st="1" end="1"/>
+                                            </p:txEl>
+                                          </p:spTgt>
+                                        </p:tgtEl>
+                                      </p:cBhvr>
+                                    </p:animEffect>
+                                    <p:anim calcmode="lin" valueType="num">
+                                      <p:cBhvr>
+                                        <p:cTn id="15" dur="1000" fill="hold"/>
+                                        <p:tgtEl>
+                                          <p:spTgt spid="5">
+                                            <p:txEl>
+                                              <p:pRg st="1" end="1"/>
+                                            </p:txEl>
+                                          </p:spTgt>
+                                        </p:tgtEl>
+                                        <p:attrNameLst>
+                                          <p:attrName>ppt_x</p:attrName>
+                                        </p:attrNameLst>
+                                      </p:cBhvr>
+                                      <p:tavLst>
+                                        <p:tav tm="0">
+                                          <p:val>
+                                            <p:strVal val="#ppt_x"/>
+                                          </p:val>
+                                        </p:tav>
+                                        <p:tav tm="100000">
+                                          <p:val>
+                                            <p:strVal val="#ppt_x"/>
+                                          </p:val>
+                                        </p:tav>
+                                      </p:tavLst>
+                                    </p:anim>
+                                    <p:anim calcmode="lin" valueType="num">
+                                      <p:cBhvr>
+                                        <p:cTn id="16" dur="1000" fill="hold"/>
+                                        <p:tgtEl>
+                                          <p:spTgt spid="5">
+                                            <p:txEl>
+                                              <p:pRg st="1" end="1"/>
+                                            </p:txEl>
+                                          </p:spTgt>
+                                        </p:tgtEl>
+                                        <p:attrNameLst>
+                                          <p:attrName>ppt_y</p:attrName>
+                                        </p:attrNameLst>
+                                      </p:cBhvr>
+                                      <p:tavLst>
+                                        <p:tav tm="0">
+                                          <p:val>
+                                            <p:strVal val="#ppt_y+.1"/>
+                                          </p:val>
+                                        </p:tav>
+                                        <p:tav tm="100000">
+                                          <p:val>
+                                            <p:strVal val="#ppt_y"/>
+                                          </p:val>
+                                        </p:tav>
+                                      </p:tavLst>
+                                    </p:anim>
+                                  </p:childTnLst>
+                                </p:cTn>
+                              </p:par>
+                            </p:childTnLst>
+                          </p:cTn>
+                        </p:par>
+                      </p:childTnLst>
+                    </p:cTn>
+                  </p:par>
+                </p:childTnLst>
+              </p:cTn>
+              <p:prevCondLst>
+                <p:cond evt="onPrev" delay="0">
+                  <p:tgtEl>
+                    <p:sldTgt/>
+                  </p:tgtEl>
+                </p:cond>
+              </p:prevCondLst>
+              <p:nextCondLst>
+                <p:cond evt="onNext" delay="0">
+                  <p:tgtEl>
+                    <p:sldTgt/>
+                  </p:tgtEl>
+                </p:cond>
+              </p:nextCondLst>
+            </p:seq>
+          </p:childTnLst>
+        </p:cTn>
+      </p:par>
+    </p:tnLst>
+    <p:bldLst>
+      <p:bldP spid="5" grpId="0" build="p"/>
+    </p:bldLst>
+  </p:timing>
+</p:sld>
+</file>
+
+<file path=ppt/slides/slide25.xml><?xml version="1.0" encoding="utf-8"?>
+<p:sld xmlns:a="http://schemas.openxmlformats.org/drawingml/2006/main" xmlns:r="http://schemas.openxmlformats.org/officeDocument/2006/relationships" xmlns:p="http://schemas.openxmlformats.org/presentationml/2006/main">
+  <p:cSld>
+    <p:spTree>
+      <p:nvGrpSpPr>
+        <p:cNvPr id="1" name="">
+          <a:extLst>
+            <a:ext uri="{FF2B5EF4-FFF2-40B4-BE49-F238E27FC236}">
+              <a16:creationId xmlns:a16="http://schemas.microsoft.com/office/drawing/2014/main" id="{A62A1E45-C149-4F74-F07B-BF2C3EFAD5EC}"/>
+            </a:ext>
+          </a:extLst>
+        </p:cNvPr>
+        <p:cNvGrpSpPr/>
+        <p:nvPr/>
+      </p:nvGrpSpPr>
+      <p:grpSpPr>
+        <a:xfrm>
+          <a:off x="0" y="0"/>
+          <a:ext cx="0" cy="0"/>
+          <a:chOff x="0" y="0"/>
+          <a:chExt cx="0" cy="0"/>
+        </a:xfrm>
+      </p:grpSpPr>
+      <p:pic>
+        <p:nvPicPr>
+          <p:cNvPr id="7" name="Picture 6">
+            <a:extLst>
+              <a:ext uri="{FF2B5EF4-FFF2-40B4-BE49-F238E27FC236}">
+                <a16:creationId xmlns:a16="http://schemas.microsoft.com/office/drawing/2014/main" id="{129C14FE-2915-2DFB-3465-46BFD7C0895D}"/>
+              </a:ext>
+            </a:extLst>
+          </p:cNvPr>
+          <p:cNvPicPr>
+            <a:picLocks noChangeAspect="1"/>
+          </p:cNvPicPr>
+          <p:nvPr/>
+        </p:nvPicPr>
+        <p:blipFill>
+          <a:blip r:embed="rId3"/>
+          <a:stretch>
+            <a:fillRect/>
+          </a:stretch>
+        </p:blipFill>
+        <p:spPr>
+          <a:xfrm>
+            <a:off x="677468" y="1409700"/>
+            <a:ext cx="16933063" cy="6324600"/>
+          </a:xfrm>
+          <a:prstGeom prst="rect">
+            <a:avLst/>
+          </a:prstGeom>
+        </p:spPr>
+      </p:pic>
+    </p:spTree>
+    <p:extLst>
+      <p:ext uri="{BB962C8B-B14F-4D97-AF65-F5344CB8AC3E}">
+        <p14:creationId xmlns:p14="http://schemas.microsoft.com/office/powerpoint/2010/main" val="2236805431"/>
+      </p:ext>
+    </p:extLst>
+  </p:cSld>
+  <p:clrMapOvr>
+    <a:masterClrMapping/>
+  </p:clrMapOvr>
+</p:sld>
+</file>
+
+<file path=ppt/slides/slide26.xml><?xml version="1.0" encoding="utf-8"?>
 <p:sld xmlns:a="http://schemas.openxmlformats.org/drawingml/2006/main" xmlns:r="http://schemas.openxmlformats.org/officeDocument/2006/relationships" xmlns:p="http://schemas.openxmlformats.org/presentationml/2006/main">
   <p:cSld>
     <p:spTree>
@@ -12898,7 +16502,7 @@
         <p:spPr>
           <a:xfrm>
             <a:off x="1143000" y="1638300"/>
-            <a:ext cx="15849600" cy="8125301"/>
+            <a:ext cx="15849600" cy="7448193"/>
           </a:xfrm>
           <a:prstGeom prst="rect">
             <a:avLst/>
@@ -12950,9 +16554,6 @@
               <a:rPr lang="en-US" sz="4400" dirty="0"/>
               <a:t>Every C++ program has at least one function. </a:t>
             </a:r>
-          </a:p>
-          <a:p>
-            <a:endParaRPr lang="en-US" sz="4400" dirty="0"/>
           </a:p>
           <a:p>
             <a:r>
@@ -13386,7 +16987,7 @@
                                         <p:tgtEl>
                                           <p:spTgt spid="5">
                                             <p:txEl>
-                                              <p:pRg st="5" end="5"/>
+                                              <p:pRg st="4" end="4"/>
                                             </p:txEl>
                                           </p:spTgt>
                                         </p:tgtEl>
@@ -13404,7 +17005,7 @@
                                         <p:tgtEl>
                                           <p:spTgt spid="5">
                                             <p:txEl>
-                                              <p:pRg st="5" end="5"/>
+                                              <p:pRg st="4" end="4"/>
                                             </p:txEl>
                                           </p:spTgt>
                                         </p:tgtEl>
@@ -13416,7 +17017,7 @@
                                         <p:tgtEl>
                                           <p:spTgt spid="5">
                                             <p:txEl>
-                                              <p:pRg st="5" end="5"/>
+                                              <p:pRg st="4" end="4"/>
                                             </p:txEl>
                                           </p:spTgt>
                                         </p:tgtEl>
@@ -13443,7 +17044,7 @@
                                         <p:tgtEl>
                                           <p:spTgt spid="5">
                                             <p:txEl>
-                                              <p:pRg st="5" end="5"/>
+                                              <p:pRg st="4" end="4"/>
                                             </p:txEl>
                                           </p:spTgt>
                                         </p:tgtEl>
@@ -13501,7 +17102,7 @@
                                         <p:tgtEl>
                                           <p:spTgt spid="5">
                                             <p:txEl>
-                                              <p:pRg st="7" end="7"/>
+                                              <p:pRg st="6" end="6"/>
                                             </p:txEl>
                                           </p:spTgt>
                                         </p:tgtEl>
@@ -13519,7 +17120,7 @@
                                         <p:tgtEl>
                                           <p:spTgt spid="5">
                                             <p:txEl>
-                                              <p:pRg st="7" end="7"/>
+                                              <p:pRg st="6" end="6"/>
                                             </p:txEl>
                                           </p:spTgt>
                                         </p:tgtEl>
@@ -13531,7 +17132,7 @@
                                         <p:tgtEl>
                                           <p:spTgt spid="5">
                                             <p:txEl>
-                                              <p:pRg st="7" end="7"/>
+                                              <p:pRg st="6" end="6"/>
                                             </p:txEl>
                                           </p:spTgt>
                                         </p:tgtEl>
@@ -13558,7 +17159,7 @@
                                         <p:tgtEl>
                                           <p:spTgt spid="5">
                                             <p:txEl>
-                                              <p:pRg st="7" end="7"/>
+                                              <p:pRg st="6" end="6"/>
                                             </p:txEl>
                                           </p:spTgt>
                                         </p:tgtEl>
@@ -14551,6 +18152,266 @@
           </a:extLst>
         </p:spPr>
       </p:pic>
+      <p:sp>
+        <p:nvSpPr>
+          <p:cNvPr id="2" name="Rectangle 1">
+            <a:extLst>
+              <a:ext uri="{FF2B5EF4-FFF2-40B4-BE49-F238E27FC236}">
+                <a16:creationId xmlns:a16="http://schemas.microsoft.com/office/drawing/2014/main" id="{38D6B6CB-F801-50EF-E152-970C5A07FDFA}"/>
+              </a:ext>
+            </a:extLst>
+          </p:cNvPr>
+          <p:cNvSpPr/>
+          <p:nvPr/>
+        </p:nvSpPr>
+        <p:spPr>
+          <a:xfrm>
+            <a:off x="609600" y="2628900"/>
+            <a:ext cx="2743200" cy="762000"/>
+          </a:xfrm>
+          <a:prstGeom prst="rect">
+            <a:avLst/>
+          </a:prstGeom>
+          <a:solidFill>
+            <a:schemeClr val="bg1"/>
+          </a:solidFill>
+          <a:ln>
+            <a:noFill/>
+          </a:ln>
+        </p:spPr>
+        <p:style>
+          <a:lnRef idx="2">
+            <a:schemeClr val="accent1">
+              <a:shade val="15000"/>
+            </a:schemeClr>
+          </a:lnRef>
+          <a:fillRef idx="1">
+            <a:schemeClr val="accent1"/>
+          </a:fillRef>
+          <a:effectRef idx="0">
+            <a:schemeClr val="accent1"/>
+          </a:effectRef>
+          <a:fontRef idx="minor">
+            <a:schemeClr val="lt1"/>
+          </a:fontRef>
+        </p:style>
+        <p:txBody>
+          <a:bodyPr rtlCol="0" anchor="ctr"/>
+          <a:lstStyle/>
+          <a:p>
+            <a:pPr algn="ctr"/>
+            <a:endParaRPr lang="en-US"/>
+          </a:p>
+        </p:txBody>
+      </p:sp>
+      <p:sp>
+        <p:nvSpPr>
+          <p:cNvPr id="3" name="Rectangle 2">
+            <a:extLst>
+              <a:ext uri="{FF2B5EF4-FFF2-40B4-BE49-F238E27FC236}">
+                <a16:creationId xmlns:a16="http://schemas.microsoft.com/office/drawing/2014/main" id="{511C72B8-DE34-C7D6-1D31-832D1E4290AA}"/>
+              </a:ext>
+            </a:extLst>
+          </p:cNvPr>
+          <p:cNvSpPr/>
+          <p:nvPr/>
+        </p:nvSpPr>
+        <p:spPr>
+          <a:xfrm>
+            <a:off x="3962400" y="2400300"/>
+            <a:ext cx="2743200" cy="990600"/>
+          </a:xfrm>
+          <a:prstGeom prst="rect">
+            <a:avLst/>
+          </a:prstGeom>
+          <a:solidFill>
+            <a:schemeClr val="bg1"/>
+          </a:solidFill>
+          <a:ln>
+            <a:noFill/>
+          </a:ln>
+        </p:spPr>
+        <p:style>
+          <a:lnRef idx="2">
+            <a:schemeClr val="accent1">
+              <a:shade val="15000"/>
+            </a:schemeClr>
+          </a:lnRef>
+          <a:fillRef idx="1">
+            <a:schemeClr val="accent1"/>
+          </a:fillRef>
+          <a:effectRef idx="0">
+            <a:schemeClr val="accent1"/>
+          </a:effectRef>
+          <a:fontRef idx="minor">
+            <a:schemeClr val="lt1"/>
+          </a:fontRef>
+        </p:style>
+        <p:txBody>
+          <a:bodyPr rtlCol="0" anchor="ctr"/>
+          <a:lstStyle/>
+          <a:p>
+            <a:pPr algn="ctr"/>
+            <a:endParaRPr lang="en-US"/>
+          </a:p>
+        </p:txBody>
+      </p:sp>
+      <p:sp>
+        <p:nvSpPr>
+          <p:cNvPr id="4" name="Rectangle 3">
+            <a:extLst>
+              <a:ext uri="{FF2B5EF4-FFF2-40B4-BE49-F238E27FC236}">
+                <a16:creationId xmlns:a16="http://schemas.microsoft.com/office/drawing/2014/main" id="{72BF5078-FE18-253B-E4C7-94D5D3D02E10}"/>
+              </a:ext>
+            </a:extLst>
+          </p:cNvPr>
+          <p:cNvSpPr/>
+          <p:nvPr/>
+        </p:nvSpPr>
+        <p:spPr>
+          <a:xfrm>
+            <a:off x="1828800" y="5943601"/>
+            <a:ext cx="2743200" cy="990600"/>
+          </a:xfrm>
+          <a:prstGeom prst="rect">
+            <a:avLst/>
+          </a:prstGeom>
+          <a:solidFill>
+            <a:schemeClr val="bg1"/>
+          </a:solidFill>
+          <a:ln>
+            <a:noFill/>
+          </a:ln>
+        </p:spPr>
+        <p:style>
+          <a:lnRef idx="2">
+            <a:schemeClr val="accent1">
+              <a:shade val="15000"/>
+            </a:schemeClr>
+          </a:lnRef>
+          <a:fillRef idx="1">
+            <a:schemeClr val="accent1"/>
+          </a:fillRef>
+          <a:effectRef idx="0">
+            <a:schemeClr val="accent1"/>
+          </a:effectRef>
+          <a:fontRef idx="minor">
+            <a:schemeClr val="lt1"/>
+          </a:fontRef>
+        </p:style>
+        <p:txBody>
+          <a:bodyPr rtlCol="0" anchor="ctr"/>
+          <a:lstStyle/>
+          <a:p>
+            <a:pPr algn="ctr"/>
+            <a:endParaRPr lang="en-US"/>
+          </a:p>
+        </p:txBody>
+      </p:sp>
+      <p:sp>
+        <p:nvSpPr>
+          <p:cNvPr id="5" name="Rectangle 4">
+            <a:extLst>
+              <a:ext uri="{FF2B5EF4-FFF2-40B4-BE49-F238E27FC236}">
+                <a16:creationId xmlns:a16="http://schemas.microsoft.com/office/drawing/2014/main" id="{A8C79D0B-763A-AE61-0657-57C6C3D70AD6}"/>
+              </a:ext>
+            </a:extLst>
+          </p:cNvPr>
+          <p:cNvSpPr/>
+          <p:nvPr/>
+        </p:nvSpPr>
+        <p:spPr>
+          <a:xfrm>
+            <a:off x="5977965" y="6035041"/>
+            <a:ext cx="2743200" cy="990600"/>
+          </a:xfrm>
+          <a:prstGeom prst="rect">
+            <a:avLst/>
+          </a:prstGeom>
+          <a:solidFill>
+            <a:schemeClr val="bg1"/>
+          </a:solidFill>
+          <a:ln>
+            <a:noFill/>
+          </a:ln>
+        </p:spPr>
+        <p:style>
+          <a:lnRef idx="2">
+            <a:schemeClr val="accent1">
+              <a:shade val="15000"/>
+            </a:schemeClr>
+          </a:lnRef>
+          <a:fillRef idx="1">
+            <a:schemeClr val="accent1"/>
+          </a:fillRef>
+          <a:effectRef idx="0">
+            <a:schemeClr val="accent1"/>
+          </a:effectRef>
+          <a:fontRef idx="minor">
+            <a:schemeClr val="lt1"/>
+          </a:fontRef>
+        </p:style>
+        <p:txBody>
+          <a:bodyPr rtlCol="0" anchor="ctr"/>
+          <a:lstStyle/>
+          <a:p>
+            <a:pPr algn="ctr"/>
+            <a:endParaRPr lang="en-US"/>
+          </a:p>
+        </p:txBody>
+      </p:sp>
+      <p:sp>
+        <p:nvSpPr>
+          <p:cNvPr id="6" name="Rectangle 5">
+            <a:extLst>
+              <a:ext uri="{FF2B5EF4-FFF2-40B4-BE49-F238E27FC236}">
+                <a16:creationId xmlns:a16="http://schemas.microsoft.com/office/drawing/2014/main" id="{B019BE85-FB82-1358-A47D-678C62CFBBBA}"/>
+              </a:ext>
+            </a:extLst>
+          </p:cNvPr>
+          <p:cNvSpPr/>
+          <p:nvPr/>
+        </p:nvSpPr>
+        <p:spPr>
+          <a:xfrm>
+            <a:off x="13868400" y="6035041"/>
+            <a:ext cx="3657600" cy="990600"/>
+          </a:xfrm>
+          <a:prstGeom prst="rect">
+            <a:avLst/>
+          </a:prstGeom>
+          <a:solidFill>
+            <a:schemeClr val="bg1"/>
+          </a:solidFill>
+          <a:ln>
+            <a:noFill/>
+          </a:ln>
+        </p:spPr>
+        <p:style>
+          <a:lnRef idx="2">
+            <a:schemeClr val="accent1">
+              <a:shade val="15000"/>
+            </a:schemeClr>
+          </a:lnRef>
+          <a:fillRef idx="1">
+            <a:schemeClr val="accent1"/>
+          </a:fillRef>
+          <a:effectRef idx="0">
+            <a:schemeClr val="accent1"/>
+          </a:effectRef>
+          <a:fontRef idx="minor">
+            <a:schemeClr val="lt1"/>
+          </a:fontRef>
+        </p:style>
+        <p:txBody>
+          <a:bodyPr rtlCol="0" anchor="ctr"/>
+          <a:lstStyle/>
+          <a:p>
+            <a:pPr algn="ctr"/>
+            <a:endParaRPr lang="en-US"/>
+          </a:p>
+        </p:txBody>
+      </p:sp>
     </p:spTree>
     <p:extLst>
       <p:ext uri="{BB962C8B-B14F-4D97-AF65-F5344CB8AC3E}">
@@ -14582,83 +18443,249 @@
                             </p:stCondLst>
                             <p:childTnLst>
                               <p:par>
-                                <p:cTn id="5" presetID="42" presetClass="entr" presetSubtype="0" fill="hold" nodeType="clickEffect">
+                                <p:cTn id="5" presetID="22" presetClass="exit" presetSubtype="4" fill="hold" grpId="0" nodeType="clickEffect">
                                   <p:stCondLst>
                                     <p:cond delay="0"/>
                                   </p:stCondLst>
                                   <p:childTnLst>
+                                    <p:animEffect transition="out" filter="wipe(down)">
+                                      <p:cBhvr>
+                                        <p:cTn id="6" dur="500"/>
+                                        <p:tgtEl>
+                                          <p:spTgt spid="2"/>
+                                        </p:tgtEl>
+                                      </p:cBhvr>
+                                    </p:animEffect>
                                     <p:set>
                                       <p:cBhvr>
-                                        <p:cTn id="6" dur="1" fill="hold">
+                                        <p:cTn id="7" dur="1" fill="hold">
                                           <p:stCondLst>
-                                            <p:cond delay="0"/>
+                                            <p:cond delay="499"/>
                                           </p:stCondLst>
                                         </p:cTn>
                                         <p:tgtEl>
-                                          <p:spTgt spid="1026"/>
+                                          <p:spTgt spid="2"/>
                                         </p:tgtEl>
                                         <p:attrNameLst>
                                           <p:attrName>style.visibility</p:attrName>
                                         </p:attrNameLst>
                                       </p:cBhvr>
                                       <p:to>
-                                        <p:strVal val="visible"/>
+                                        <p:strVal val="hidden"/>
                                       </p:to>
                                     </p:set>
-                                    <p:animEffect transition="in" filter="fade">
-                                      <p:cBhvr>
-                                        <p:cTn id="7" dur="1000"/>
-                                        <p:tgtEl>
-                                          <p:spTgt spid="1026"/>
+                                  </p:childTnLst>
+                                </p:cTn>
+                              </p:par>
+                            </p:childTnLst>
+                          </p:cTn>
+                        </p:par>
+                      </p:childTnLst>
+                    </p:cTn>
+                  </p:par>
+                  <p:par>
+                    <p:cTn id="8" fill="hold">
+                      <p:stCondLst>
+                        <p:cond delay="indefinite"/>
+                      </p:stCondLst>
+                      <p:childTnLst>
+                        <p:par>
+                          <p:cTn id="9" fill="hold">
+                            <p:stCondLst>
+                              <p:cond delay="0"/>
+                            </p:stCondLst>
+                            <p:childTnLst>
+                              <p:par>
+                                <p:cTn id="10" presetID="22" presetClass="exit" presetSubtype="4" fill="hold" grpId="0" nodeType="clickEffect">
+                                  <p:stCondLst>
+                                    <p:cond delay="0"/>
+                                  </p:stCondLst>
+                                  <p:childTnLst>
+                                    <p:animEffect transition="out" filter="wipe(down)">
+                                      <p:cBhvr>
+                                        <p:cTn id="11" dur="500"/>
+                                        <p:tgtEl>
+                                          <p:spTgt spid="4"/>
                                         </p:tgtEl>
                                       </p:cBhvr>
                                     </p:animEffect>
-                                    <p:anim calcmode="lin" valueType="num">
-                                      <p:cBhvr>
-                                        <p:cTn id="8" dur="1000" fill="hold"/>
-                                        <p:tgtEl>
-                                          <p:spTgt spid="1026"/>
-                                        </p:tgtEl>
-                                        <p:attrNameLst>
-                                          <p:attrName>ppt_x</p:attrName>
-                                        </p:attrNameLst>
-                                      </p:cBhvr>
-                                      <p:tavLst>
-                                        <p:tav tm="0">
-                                          <p:val>
-                                            <p:strVal val="#ppt_x"/>
-                                          </p:val>
-                                        </p:tav>
-                                        <p:tav tm="100000">
-                                          <p:val>
-                                            <p:strVal val="#ppt_x"/>
-                                          </p:val>
-                                        </p:tav>
-                                      </p:tavLst>
-                                    </p:anim>
-                                    <p:anim calcmode="lin" valueType="num">
-                                      <p:cBhvr>
-                                        <p:cTn id="9" dur="1000" fill="hold"/>
-                                        <p:tgtEl>
-                                          <p:spTgt spid="1026"/>
-                                        </p:tgtEl>
-                                        <p:attrNameLst>
-                                          <p:attrName>ppt_y</p:attrName>
-                                        </p:attrNameLst>
-                                      </p:cBhvr>
-                                      <p:tavLst>
-                                        <p:tav tm="0">
-                                          <p:val>
-                                            <p:strVal val="#ppt_y+.1"/>
-                                          </p:val>
-                                        </p:tav>
-                                        <p:tav tm="100000">
-                                          <p:val>
-                                            <p:strVal val="#ppt_y"/>
-                                          </p:val>
-                                        </p:tav>
-                                      </p:tavLst>
-                                    </p:anim>
+                                    <p:set>
+                                      <p:cBhvr>
+                                        <p:cTn id="12" dur="1" fill="hold">
+                                          <p:stCondLst>
+                                            <p:cond delay="499"/>
+                                          </p:stCondLst>
+                                        </p:cTn>
+                                        <p:tgtEl>
+                                          <p:spTgt spid="4"/>
+                                        </p:tgtEl>
+                                        <p:attrNameLst>
+                                          <p:attrName>style.visibility</p:attrName>
+                                        </p:attrNameLst>
+                                      </p:cBhvr>
+                                      <p:to>
+                                        <p:strVal val="hidden"/>
+                                      </p:to>
+                                    </p:set>
+                                  </p:childTnLst>
+                                </p:cTn>
+                              </p:par>
+                            </p:childTnLst>
+                          </p:cTn>
+                        </p:par>
+                      </p:childTnLst>
+                    </p:cTn>
+                  </p:par>
+                  <p:par>
+                    <p:cTn id="13" fill="hold">
+                      <p:stCondLst>
+                        <p:cond delay="indefinite"/>
+                      </p:stCondLst>
+                      <p:childTnLst>
+                        <p:par>
+                          <p:cTn id="14" fill="hold">
+                            <p:stCondLst>
+                              <p:cond delay="0"/>
+                            </p:stCondLst>
+                            <p:childTnLst>
+                              <p:par>
+                                <p:cTn id="15" presetID="22" presetClass="exit" presetSubtype="4" fill="hold" grpId="0" nodeType="clickEffect">
+                                  <p:stCondLst>
+                                    <p:cond delay="0"/>
+                                  </p:stCondLst>
+                                  <p:childTnLst>
+                                    <p:animEffect transition="out" filter="wipe(down)">
+                                      <p:cBhvr>
+                                        <p:cTn id="16" dur="500"/>
+                                        <p:tgtEl>
+                                          <p:spTgt spid="3"/>
+                                        </p:tgtEl>
+                                      </p:cBhvr>
+                                    </p:animEffect>
+                                    <p:set>
+                                      <p:cBhvr>
+                                        <p:cTn id="17" dur="1" fill="hold">
+                                          <p:stCondLst>
+                                            <p:cond delay="499"/>
+                                          </p:stCondLst>
+                                        </p:cTn>
+                                        <p:tgtEl>
+                                          <p:spTgt spid="3"/>
+                                        </p:tgtEl>
+                                        <p:attrNameLst>
+                                          <p:attrName>style.visibility</p:attrName>
+                                        </p:attrNameLst>
+                                      </p:cBhvr>
+                                      <p:to>
+                                        <p:strVal val="hidden"/>
+                                      </p:to>
+                                    </p:set>
+                                  </p:childTnLst>
+                                </p:cTn>
+                              </p:par>
+                            </p:childTnLst>
+                          </p:cTn>
+                        </p:par>
+                      </p:childTnLst>
+                    </p:cTn>
+                  </p:par>
+                  <p:par>
+                    <p:cTn id="18" fill="hold">
+                      <p:stCondLst>
+                        <p:cond delay="indefinite"/>
+                      </p:stCondLst>
+                      <p:childTnLst>
+                        <p:par>
+                          <p:cTn id="19" fill="hold">
+                            <p:stCondLst>
+                              <p:cond delay="0"/>
+                            </p:stCondLst>
+                            <p:childTnLst>
+                              <p:par>
+                                <p:cTn id="20" presetID="22" presetClass="exit" presetSubtype="4" fill="hold" grpId="0" nodeType="clickEffect">
+                                  <p:stCondLst>
+                                    <p:cond delay="0"/>
+                                  </p:stCondLst>
+                                  <p:childTnLst>
+                                    <p:animEffect transition="out" filter="wipe(down)">
+                                      <p:cBhvr>
+                                        <p:cTn id="21" dur="500"/>
+                                        <p:tgtEl>
+                                          <p:spTgt spid="5"/>
+                                        </p:tgtEl>
+                                      </p:cBhvr>
+                                    </p:animEffect>
+                                    <p:set>
+                                      <p:cBhvr>
+                                        <p:cTn id="22" dur="1" fill="hold">
+                                          <p:stCondLst>
+                                            <p:cond delay="499"/>
+                                          </p:stCondLst>
+                                        </p:cTn>
+                                        <p:tgtEl>
+                                          <p:spTgt spid="5"/>
+                                        </p:tgtEl>
+                                        <p:attrNameLst>
+                                          <p:attrName>style.visibility</p:attrName>
+                                        </p:attrNameLst>
+                                      </p:cBhvr>
+                                      <p:to>
+                                        <p:strVal val="hidden"/>
+                                      </p:to>
+                                    </p:set>
+                                  </p:childTnLst>
+                                </p:cTn>
+                              </p:par>
+                            </p:childTnLst>
+                          </p:cTn>
+                        </p:par>
+                      </p:childTnLst>
+                    </p:cTn>
+                  </p:par>
+                  <p:par>
+                    <p:cTn id="23" fill="hold">
+                      <p:stCondLst>
+                        <p:cond delay="indefinite"/>
+                      </p:stCondLst>
+                      <p:childTnLst>
+                        <p:par>
+                          <p:cTn id="24" fill="hold">
+                            <p:stCondLst>
+                              <p:cond delay="0"/>
+                            </p:stCondLst>
+                            <p:childTnLst>
+                              <p:par>
+                                <p:cTn id="25" presetID="22" presetClass="exit" presetSubtype="4" fill="hold" grpId="0" nodeType="clickEffect">
+                                  <p:stCondLst>
+                                    <p:cond delay="0"/>
+                                  </p:stCondLst>
+                                  <p:childTnLst>
+                                    <p:animEffect transition="out" filter="wipe(down)">
+                                      <p:cBhvr>
+                                        <p:cTn id="26" dur="500"/>
+                                        <p:tgtEl>
+                                          <p:spTgt spid="6"/>
+                                        </p:tgtEl>
+                                      </p:cBhvr>
+                                    </p:animEffect>
+                                    <p:set>
+                                      <p:cBhvr>
+                                        <p:cTn id="27" dur="1" fill="hold">
+                                          <p:stCondLst>
+                                            <p:cond delay="499"/>
+                                          </p:stCondLst>
+                                        </p:cTn>
+                                        <p:tgtEl>
+                                          <p:spTgt spid="6"/>
+                                        </p:tgtEl>
+                                        <p:attrNameLst>
+                                          <p:attrName>style.visibility</p:attrName>
+                                        </p:attrNameLst>
+                                      </p:cBhvr>
+                                      <p:to>
+                                        <p:strVal val="hidden"/>
+                                      </p:to>
+                                    </p:set>
                                   </p:childTnLst>
                                 </p:cTn>
                               </p:par>
@@ -14689,6 +18716,13 @@
         </p:cTn>
       </p:par>
     </p:tnLst>
+    <p:bldLst>
+      <p:bldP spid="2" grpId="0" animBg="1"/>
+      <p:bldP spid="3" grpId="0" animBg="1"/>
+      <p:bldP spid="4" grpId="0" animBg="1"/>
+      <p:bldP spid="5" grpId="0" animBg="1"/>
+      <p:bldP spid="6" grpId="0" animBg="1"/>
+    </p:bldLst>
   </p:timing>
 </p:sld>
 </file>
